--- a/Final Presenation DS5110.pptx
+++ b/Final Presenation DS5110.pptx
@@ -5,26 +5,27 @@
     <p:sldMasterId id="2147483655" r:id="rId1"/>
   </p:sldMasterIdLst>
   <p:notesMasterIdLst>
-    <p:notesMasterId r:id="rId11"/>
+    <p:notesMasterId r:id="rId12"/>
   </p:notesMasterIdLst>
   <p:sldIdLst>
     <p:sldId id="256" r:id="rId2"/>
     <p:sldId id="275" r:id="rId3"/>
     <p:sldId id="276" r:id="rId4"/>
     <p:sldId id="267" r:id="rId5"/>
-    <p:sldId id="266" r:id="rId6"/>
-    <p:sldId id="268" r:id="rId7"/>
-    <p:sldId id="273" r:id="rId8"/>
-    <p:sldId id="269" r:id="rId9"/>
-    <p:sldId id="262" r:id="rId10"/>
+    <p:sldId id="277" r:id="rId6"/>
+    <p:sldId id="266" r:id="rId7"/>
+    <p:sldId id="268" r:id="rId8"/>
+    <p:sldId id="273" r:id="rId9"/>
+    <p:sldId id="269" r:id="rId10"/>
+    <p:sldId id="262" r:id="rId11"/>
   </p:sldIdLst>
   <p:sldSz cx="18288000" cy="10287000"/>
   <p:notesSz cx="6858000" cy="9144000"/>
   <p:embeddedFontLst>
     <p:embeddedFont>
       <p:font typeface="Inter" panose="02000503000000020004" pitchFamily="2" charset="0"/>
-      <p:regular r:id="rId12"/>
-      <p:bold r:id="rId13"/>
+      <p:regular r:id="rId13"/>
+      <p:bold r:id="rId14"/>
     </p:embeddedFont>
   </p:embeddedFontLst>
   <p:defaultTextStyle>
@@ -278,8 +279,10 @@
 <file path=ppt/revisionInfo.xml><?xml version="1.0" encoding="utf-8"?>
 <p1510:revInfo xmlns:a="http://schemas.openxmlformats.org/drawingml/2006/main" xmlns:r="http://schemas.openxmlformats.org/officeDocument/2006/relationships" xmlns:p1510="http://schemas.microsoft.com/office/powerpoint/2015/10/main">
   <p1510:revLst>
+    <p1510:client id="{1B170A3A-6631-B73F-3771-674399FCC3F5}" v="70" dt="2024-12-04T00:37:15.184"/>
+    <p1510:client id="{A4EC6AF2-8335-027D-FC2D-5914F67FA66A}" v="29" dt="2024-12-04T00:37:39.259"/>
     <p1510:client id="{D56B6177-3612-3F49-22AC-00851ADFF0B2}" v="64" dt="2024-12-03T22:03:16.223"/>
-    <p1510:client id="{DC6F003F-ED69-7548-8E9E-53DC8D6D8B6E}" v="1033" dt="2024-12-03T23:39:30.098"/>
+    <p1510:client id="{DC6F003F-ED69-7548-8E9E-53DC8D6D8B6E}" v="1812" dt="2024-12-04T00:41:07.146"/>
   </p1510:revLst>
 </p1510:revInfo>
 </file>
@@ -829,6 +832,110 @@
 </p:notes>
 </file>
 
+<file path=ppt/notesSlides/notesSlide10.xml><?xml version="1.0" encoding="utf-8"?>
+<p:notes xmlns:a="http://schemas.openxmlformats.org/drawingml/2006/main" xmlns:r="http://schemas.openxmlformats.org/officeDocument/2006/relationships" xmlns:p="http://schemas.openxmlformats.org/presentationml/2006/main" showMasterSp="0" showMasterPhAnim="0">
+  <p:cSld>
+    <p:spTree>
+      <p:nvGrpSpPr>
+        <p:cNvPr id="1" name="Shape 162"/>
+        <p:cNvGrpSpPr/>
+        <p:nvPr/>
+      </p:nvGrpSpPr>
+      <p:grpSpPr>
+        <a:xfrm>
+          <a:off x="0" y="0"/>
+          <a:ext cx="0" cy="0"/>
+          <a:chOff x="0" y="0"/>
+          <a:chExt cx="0" cy="0"/>
+        </a:xfrm>
+      </p:grpSpPr>
+      <p:sp>
+        <p:nvSpPr>
+          <p:cNvPr id="163" name="Google Shape;163;p7:notes"/>
+          <p:cNvSpPr txBox="1">
+            <a:spLocks noGrp="1"/>
+          </p:cNvSpPr>
+          <p:nvPr>
+            <p:ph type="body" idx="1"/>
+          </p:nvPr>
+        </p:nvSpPr>
+        <p:spPr>
+          <a:xfrm>
+            <a:off x="685800" y="4343400"/>
+            <a:ext cx="5486400" cy="4114800"/>
+          </a:xfrm>
+          <a:prstGeom prst="rect">
+            <a:avLst/>
+          </a:prstGeom>
+        </p:spPr>
+        <p:txBody>
+          <a:bodyPr spcFirstLastPara="1" wrap="square" lIns="91425" tIns="91425" rIns="91425" bIns="91425" anchor="t" anchorCtr="0">
+            <a:noAutofit/>
+          </a:bodyPr>
+          <a:lstStyle/>
+          <a:p>
+            <a:pPr marL="0" lvl="0" indent="0" algn="l" rtl="0">
+              <a:spcBef>
+                <a:spcPts val="0"/>
+              </a:spcBef>
+              <a:spcAft>
+                <a:spcPts val="0"/>
+              </a:spcAft>
+              <a:buNone/>
+            </a:pPr>
+            <a:endParaRPr/>
+          </a:p>
+        </p:txBody>
+      </p:sp>
+      <p:sp>
+        <p:nvSpPr>
+          <p:cNvPr id="164" name="Google Shape;164;p7:notes"/>
+          <p:cNvSpPr>
+            <a:spLocks noGrp="1" noRot="1" noChangeAspect="1"/>
+          </p:cNvSpPr>
+          <p:nvPr>
+            <p:ph type="sldImg" idx="2"/>
+          </p:nvPr>
+        </p:nvSpPr>
+        <p:spPr>
+          <a:xfrm>
+            <a:off x="381000" y="685800"/>
+            <a:ext cx="6096000" cy="3429000"/>
+          </a:xfrm>
+          <a:custGeom>
+            <a:avLst/>
+            <a:gdLst/>
+            <a:ahLst/>
+            <a:cxnLst/>
+            <a:rect l="l" t="t" r="r" b="b"/>
+            <a:pathLst>
+              <a:path w="120000" h="120000" extrusionOk="0">
+                <a:moveTo>
+                  <a:pt x="0" y="0"/>
+                </a:moveTo>
+                <a:lnTo>
+                  <a:pt x="120000" y="0"/>
+                </a:lnTo>
+                <a:lnTo>
+                  <a:pt x="120000" y="120000"/>
+                </a:lnTo>
+                <a:lnTo>
+                  <a:pt x="0" y="120000"/>
+                </a:lnTo>
+                <a:close/>
+              </a:path>
+            </a:pathLst>
+          </a:custGeom>
+        </p:spPr>
+      </p:sp>
+    </p:spTree>
+  </p:cSld>
+  <p:clrMapOvr>
+    <a:masterClrMapping/>
+  </p:clrMapOvr>
+</p:notes>
+</file>
+
 <file path=ppt/notesSlides/notesSlide2.xml><?xml version="1.0" encoding="utf-8"?>
 <p:notes xmlns:a="http://schemas.openxmlformats.org/drawingml/2006/main" xmlns:r="http://schemas.openxmlformats.org/officeDocument/2006/relationships" xmlns:p="http://schemas.openxmlformats.org/presentationml/2006/main" showMasterSp="0" showMasterPhAnim="0">
   <p:cSld>
@@ -1192,6 +1299,133 @@
   <p:cSld>
     <p:spTree>
       <p:nvGrpSpPr>
+        <p:cNvPr id="1" name="Shape 263">
+          <a:extLst>
+            <a:ext uri="{FF2B5EF4-FFF2-40B4-BE49-F238E27FC236}">
+              <a16:creationId xmlns:a16="http://schemas.microsoft.com/office/drawing/2014/main" id="{82248B30-E1C8-5A05-9A49-0510530C2F24}"/>
+            </a:ext>
+          </a:extLst>
+        </p:cNvPr>
+        <p:cNvGrpSpPr/>
+        <p:nvPr/>
+      </p:nvGrpSpPr>
+      <p:grpSpPr>
+        <a:xfrm>
+          <a:off x="0" y="0"/>
+          <a:ext cx="0" cy="0"/>
+          <a:chOff x="0" y="0"/>
+          <a:chExt cx="0" cy="0"/>
+        </a:xfrm>
+      </p:grpSpPr>
+      <p:sp>
+        <p:nvSpPr>
+          <p:cNvPr id="264" name="Google Shape;264;p14:notes">
+            <a:extLst>
+              <a:ext uri="{FF2B5EF4-FFF2-40B4-BE49-F238E27FC236}">
+                <a16:creationId xmlns:a16="http://schemas.microsoft.com/office/drawing/2014/main" id="{CA1F3A30-C3DE-604A-3BB3-D28D7142F45E}"/>
+              </a:ext>
+            </a:extLst>
+          </p:cNvPr>
+          <p:cNvSpPr txBox="1">
+            <a:spLocks noGrp="1"/>
+          </p:cNvSpPr>
+          <p:nvPr>
+            <p:ph type="body" idx="1"/>
+          </p:nvPr>
+        </p:nvSpPr>
+        <p:spPr>
+          <a:xfrm>
+            <a:off x="685800" y="4343400"/>
+            <a:ext cx="5486400" cy="4114800"/>
+          </a:xfrm>
+          <a:prstGeom prst="rect">
+            <a:avLst/>
+          </a:prstGeom>
+        </p:spPr>
+        <p:txBody>
+          <a:bodyPr spcFirstLastPara="1" wrap="square" lIns="91425" tIns="91425" rIns="91425" bIns="91425" anchor="t" anchorCtr="0">
+            <a:noAutofit/>
+          </a:bodyPr>
+          <a:lstStyle/>
+          <a:p>
+            <a:pPr marL="0" lvl="0" indent="0" algn="l" rtl="0">
+              <a:spcBef>
+                <a:spcPts val="0"/>
+              </a:spcBef>
+              <a:spcAft>
+                <a:spcPts val="0"/>
+              </a:spcAft>
+              <a:buNone/>
+            </a:pPr>
+            <a:endParaRPr/>
+          </a:p>
+        </p:txBody>
+      </p:sp>
+      <p:sp>
+        <p:nvSpPr>
+          <p:cNvPr id="265" name="Google Shape;265;p14:notes">
+            <a:extLst>
+              <a:ext uri="{FF2B5EF4-FFF2-40B4-BE49-F238E27FC236}">
+                <a16:creationId xmlns:a16="http://schemas.microsoft.com/office/drawing/2014/main" id="{762563D0-9E65-4656-1895-498ACC79DA3C}"/>
+              </a:ext>
+            </a:extLst>
+          </p:cNvPr>
+          <p:cNvSpPr>
+            <a:spLocks noGrp="1" noRot="1" noChangeAspect="1"/>
+          </p:cNvSpPr>
+          <p:nvPr>
+            <p:ph type="sldImg" idx="2"/>
+          </p:nvPr>
+        </p:nvSpPr>
+        <p:spPr>
+          <a:xfrm>
+            <a:off x="381000" y="685800"/>
+            <a:ext cx="6096000" cy="3429000"/>
+          </a:xfrm>
+          <a:custGeom>
+            <a:avLst/>
+            <a:gdLst/>
+            <a:ahLst/>
+            <a:cxnLst/>
+            <a:rect l="l" t="t" r="r" b="b"/>
+            <a:pathLst>
+              <a:path w="120000" h="120000" extrusionOk="0">
+                <a:moveTo>
+                  <a:pt x="0" y="0"/>
+                </a:moveTo>
+                <a:lnTo>
+                  <a:pt x="120000" y="0"/>
+                </a:lnTo>
+                <a:lnTo>
+                  <a:pt x="120000" y="120000"/>
+                </a:lnTo>
+                <a:lnTo>
+                  <a:pt x="0" y="120000"/>
+                </a:lnTo>
+                <a:close/>
+              </a:path>
+            </a:pathLst>
+          </a:custGeom>
+        </p:spPr>
+      </p:sp>
+    </p:spTree>
+    <p:extLst>
+      <p:ext uri="{BB962C8B-B14F-4D97-AF65-F5344CB8AC3E}">
+        <p14:creationId xmlns:p14="http://schemas.microsoft.com/office/powerpoint/2010/main" val="3816607478"/>
+      </p:ext>
+    </p:extLst>
+  </p:cSld>
+  <p:clrMapOvr>
+    <a:masterClrMapping/>
+  </p:clrMapOvr>
+</p:notes>
+</file>
+
+<file path=ppt/notesSlides/notesSlide6.xml><?xml version="1.0" encoding="utf-8"?>
+<p:notes xmlns:a="http://schemas.openxmlformats.org/drawingml/2006/main" xmlns:r="http://schemas.openxmlformats.org/officeDocument/2006/relationships" xmlns:p="http://schemas.openxmlformats.org/presentationml/2006/main" showMasterSp="0" showMasterPhAnim="0">
+  <p:cSld>
+    <p:spTree>
+      <p:nvGrpSpPr>
         <p:cNvPr id="1" name="Shape 223"/>
         <p:cNvGrpSpPr/>
         <p:nvPr/>
@@ -1291,7 +1525,7 @@
 </p:notes>
 </file>
 
-<file path=ppt/notesSlides/notesSlide6.xml><?xml version="1.0" encoding="utf-8"?>
+<file path=ppt/notesSlides/notesSlide7.xml><?xml version="1.0" encoding="utf-8"?>
 <p:notes xmlns:a="http://schemas.openxmlformats.org/drawingml/2006/main" xmlns:r="http://schemas.openxmlformats.org/officeDocument/2006/relationships" xmlns:p="http://schemas.openxmlformats.org/presentationml/2006/main" showMasterSp="0" showMasterPhAnim="0">
   <p:cSld>
     <p:spTree>
@@ -1395,7 +1629,7 @@
 </p:notes>
 </file>
 
-<file path=ppt/notesSlides/notesSlide7.xml><?xml version="1.0" encoding="utf-8"?>
+<file path=ppt/notesSlides/notesSlide8.xml><?xml version="1.0" encoding="utf-8"?>
 <p:notes xmlns:a="http://schemas.openxmlformats.org/drawingml/2006/main" xmlns:r="http://schemas.openxmlformats.org/officeDocument/2006/relationships" xmlns:p="http://schemas.openxmlformats.org/presentationml/2006/main" showMasterSp="0" showMasterPhAnim="0">
   <p:cSld>
     <p:spTree>
@@ -1522,7 +1756,7 @@
 </p:notes>
 </file>
 
-<file path=ppt/notesSlides/notesSlide8.xml><?xml version="1.0" encoding="utf-8"?>
+<file path=ppt/notesSlides/notesSlide9.xml><?xml version="1.0" encoding="utf-8"?>
 <p:notes xmlns:a="http://schemas.openxmlformats.org/drawingml/2006/main" xmlns:r="http://schemas.openxmlformats.org/officeDocument/2006/relationships" xmlns:p="http://schemas.openxmlformats.org/presentationml/2006/main" showMasterSp="0" showMasterPhAnim="0">
   <p:cSld>
     <p:spTree>
@@ -1642,110 +1876,6 @@
         <p14:creationId xmlns:p14="http://schemas.microsoft.com/office/powerpoint/2010/main" val="1265822436"/>
       </p:ext>
     </p:extLst>
-  </p:cSld>
-  <p:clrMapOvr>
-    <a:masterClrMapping/>
-  </p:clrMapOvr>
-</p:notes>
-</file>
-
-<file path=ppt/notesSlides/notesSlide9.xml><?xml version="1.0" encoding="utf-8"?>
-<p:notes xmlns:a="http://schemas.openxmlformats.org/drawingml/2006/main" xmlns:r="http://schemas.openxmlformats.org/officeDocument/2006/relationships" xmlns:p="http://schemas.openxmlformats.org/presentationml/2006/main" showMasterSp="0" showMasterPhAnim="0">
-  <p:cSld>
-    <p:spTree>
-      <p:nvGrpSpPr>
-        <p:cNvPr id="1" name="Shape 162"/>
-        <p:cNvGrpSpPr/>
-        <p:nvPr/>
-      </p:nvGrpSpPr>
-      <p:grpSpPr>
-        <a:xfrm>
-          <a:off x="0" y="0"/>
-          <a:ext cx="0" cy="0"/>
-          <a:chOff x="0" y="0"/>
-          <a:chExt cx="0" cy="0"/>
-        </a:xfrm>
-      </p:grpSpPr>
-      <p:sp>
-        <p:nvSpPr>
-          <p:cNvPr id="163" name="Google Shape;163;p7:notes"/>
-          <p:cNvSpPr txBox="1">
-            <a:spLocks noGrp="1"/>
-          </p:cNvSpPr>
-          <p:nvPr>
-            <p:ph type="body" idx="1"/>
-          </p:nvPr>
-        </p:nvSpPr>
-        <p:spPr>
-          <a:xfrm>
-            <a:off x="685800" y="4343400"/>
-            <a:ext cx="5486400" cy="4114800"/>
-          </a:xfrm>
-          <a:prstGeom prst="rect">
-            <a:avLst/>
-          </a:prstGeom>
-        </p:spPr>
-        <p:txBody>
-          <a:bodyPr spcFirstLastPara="1" wrap="square" lIns="91425" tIns="91425" rIns="91425" bIns="91425" anchor="t" anchorCtr="0">
-            <a:noAutofit/>
-          </a:bodyPr>
-          <a:lstStyle/>
-          <a:p>
-            <a:pPr marL="0" lvl="0" indent="0" algn="l" rtl="0">
-              <a:spcBef>
-                <a:spcPts val="0"/>
-              </a:spcBef>
-              <a:spcAft>
-                <a:spcPts val="0"/>
-              </a:spcAft>
-              <a:buNone/>
-            </a:pPr>
-            <a:endParaRPr/>
-          </a:p>
-        </p:txBody>
-      </p:sp>
-      <p:sp>
-        <p:nvSpPr>
-          <p:cNvPr id="164" name="Google Shape;164;p7:notes"/>
-          <p:cNvSpPr>
-            <a:spLocks noGrp="1" noRot="1" noChangeAspect="1"/>
-          </p:cNvSpPr>
-          <p:nvPr>
-            <p:ph type="sldImg" idx="2"/>
-          </p:nvPr>
-        </p:nvSpPr>
-        <p:spPr>
-          <a:xfrm>
-            <a:off x="381000" y="685800"/>
-            <a:ext cx="6096000" cy="3429000"/>
-          </a:xfrm>
-          <a:custGeom>
-            <a:avLst/>
-            <a:gdLst/>
-            <a:ahLst/>
-            <a:cxnLst/>
-            <a:rect l="l" t="t" r="r" b="b"/>
-            <a:pathLst>
-              <a:path w="120000" h="120000" extrusionOk="0">
-                <a:moveTo>
-                  <a:pt x="0" y="0"/>
-                </a:moveTo>
-                <a:lnTo>
-                  <a:pt x="120000" y="0"/>
-                </a:lnTo>
-                <a:lnTo>
-                  <a:pt x="120000" y="120000"/>
-                </a:lnTo>
-                <a:lnTo>
-                  <a:pt x="0" y="120000"/>
-                </a:lnTo>
-                <a:close/>
-              </a:path>
-            </a:pathLst>
-          </a:custGeom>
-        </p:spPr>
-      </p:sp>
-    </p:spTree>
   </p:cSld>
   <p:clrMapOvr>
     <a:masterClrMapping/>
@@ -9261,7 +9391,7 @@
               <a:buNone/>
             </a:pPr>
             <a:r>
-              <a:rPr lang="en-US" sz="9800" b="1" i="0" u="none" strike="noStrike" cap="none" dirty="0">
+              <a:rPr lang="en-US" sz="9800" b="1" i="0" u="none" strike="noStrike" cap="none">
                 <a:solidFill>
                   <a:srgbClr val="05041D"/>
                 </a:solidFill>
@@ -9272,7 +9402,7 @@
               </a:rPr>
               <a:t>CUSTOMER</a:t>
             </a:r>
-            <a:endParaRPr sz="9800" dirty="0"/>
+            <a:endParaRPr sz="9800"/>
           </a:p>
           <a:p>
             <a:pPr marL="0" marR="0" lvl="0" indent="0" algn="l" rtl="0">
@@ -9288,7 +9418,7 @@
               <a:buNone/>
             </a:pPr>
             <a:r>
-              <a:rPr lang="en-US" sz="9800" b="1" dirty="0">
+              <a:rPr lang="en-US" sz="9800" b="1">
                 <a:solidFill>
                   <a:srgbClr val="05041D"/>
                 </a:solidFill>
@@ -9298,7 +9428,7 @@
               </a:rPr>
               <a:t>BEHAVIOR DASHBOARD</a:t>
             </a:r>
-            <a:endParaRPr sz="9800" dirty="0"/>
+            <a:endParaRPr sz="9800"/>
           </a:p>
         </p:txBody>
       </p:sp>
@@ -9368,7 +9498,7 @@
               <a:buNone/>
             </a:pPr>
             <a:r>
-              <a:rPr lang="en-US" sz="1599" b="1" i="0" u="none" strike="noStrike" cap="none" dirty="0">
+              <a:rPr lang="en-US" sz="1599" b="1" i="0" u="none" strike="noStrike" cap="none">
                 <a:solidFill>
                   <a:srgbClr val="05041D"/>
                 </a:solidFill>
@@ -9380,7 +9510,7 @@
               <a:t>December 3</a:t>
             </a:r>
             <a:r>
-              <a:rPr lang="en-US" sz="1599" b="1" i="0" u="none" strike="noStrike" cap="none" baseline="30000" dirty="0">
+              <a:rPr lang="en-US" sz="1599" b="1" i="0" u="none" strike="noStrike" cap="none" baseline="30000">
                 <a:solidFill>
                   <a:srgbClr val="05041D"/>
                 </a:solidFill>
@@ -9392,7 +9522,7 @@
               <a:t>rd</a:t>
             </a:r>
             <a:r>
-              <a:rPr lang="en-US" sz="1599" b="1" i="0" u="none" strike="noStrike" cap="none" dirty="0">
+              <a:rPr lang="en-US" sz="1599" b="1" i="0" u="none" strike="noStrike" cap="none">
                 <a:solidFill>
                   <a:srgbClr val="05041D"/>
                 </a:solidFill>
@@ -9403,7 +9533,7 @@
               </a:rPr>
               <a:t>, 2024</a:t>
             </a:r>
-            <a:endParaRPr dirty="0"/>
+            <a:endParaRPr/>
           </a:p>
         </p:txBody>
       </p:sp>
@@ -9445,7 +9575,7 @@
               <a:buNone/>
             </a:pPr>
             <a:r>
-              <a:rPr lang="en-US" sz="1599" b="1" i="0" u="none" strike="noStrike" cap="none" dirty="0">
+              <a:rPr lang="en-US" sz="1599" b="1" i="0" u="none" strike="noStrike" cap="none">
                 <a:solidFill>
                   <a:srgbClr val="05041D"/>
                 </a:solidFill>
@@ -9456,7 +9586,7 @@
               </a:rPr>
               <a:t>DS5110</a:t>
             </a:r>
-            <a:endParaRPr dirty="0"/>
+            <a:endParaRPr/>
           </a:p>
         </p:txBody>
       </p:sp>
@@ -9504,7 +9634,7 @@
               <a:buNone/>
             </a:pPr>
             <a:r>
-              <a:rPr lang="en-US" sz="1599" b="1" dirty="0">
+              <a:rPr lang="en-US" sz="1599" b="1">
                 <a:solidFill>
                   <a:srgbClr val="05041D"/>
                 </a:solidFill>
@@ -9514,7 +9644,7 @@
               </a:rPr>
               <a:t>KARTHIK NAIR</a:t>
             </a:r>
-            <a:endParaRPr dirty="0"/>
+            <a:endParaRPr/>
           </a:p>
         </p:txBody>
       </p:sp>
@@ -9562,7 +9692,7 @@
               <a:buNone/>
             </a:pPr>
             <a:r>
-              <a:rPr lang="en-US" sz="1599" b="1" i="0" u="none" strike="noStrike" cap="none" dirty="0">
+              <a:rPr lang="en-US" sz="1599" b="1" i="0" u="none" strike="noStrike" cap="none">
                 <a:solidFill>
                   <a:srgbClr val="05041D"/>
                 </a:solidFill>
@@ -9573,7 +9703,7 @@
               </a:rPr>
               <a:t>FILIP TOMOVSKI</a:t>
             </a:r>
-            <a:endParaRPr dirty="0"/>
+            <a:endParaRPr/>
           </a:p>
         </p:txBody>
       </p:sp>
@@ -9582,6 +9712,122 @@
   <p:clrMapOvr>
     <a:masterClrMapping/>
   </p:clrMapOvr>
+</p:sld>
+</file>
+
+<file path=ppt/slides/slide10.xml><?xml version="1.0" encoding="utf-8"?>
+<p:sld xmlns:a="http://schemas.openxmlformats.org/drawingml/2006/main" xmlns:r="http://schemas.openxmlformats.org/officeDocument/2006/relationships" xmlns:p="http://schemas.openxmlformats.org/presentationml/2006/main">
+  <p:cSld>
+    <p:bg>
+      <p:bgPr>
+        <a:solidFill>
+          <a:srgbClr val="05041D"/>
+        </a:solidFill>
+        <a:effectLst/>
+      </p:bgPr>
+    </p:bg>
+    <p:spTree>
+      <p:nvGrpSpPr>
+        <p:cNvPr id="1" name="Shape 165"/>
+        <p:cNvGrpSpPr/>
+        <p:nvPr/>
+      </p:nvGrpSpPr>
+      <p:grpSpPr>
+        <a:xfrm>
+          <a:off x="0" y="0"/>
+          <a:ext cx="0" cy="0"/>
+          <a:chOff x="0" y="0"/>
+          <a:chExt cx="0" cy="0"/>
+        </a:xfrm>
+      </p:grpSpPr>
+      <p:pic>
+        <p:nvPicPr>
+          <p:cNvPr id="166" name="Google Shape;166;p15"/>
+          <p:cNvPicPr preferRelativeResize="0"/>
+          <p:nvPr/>
+        </p:nvPicPr>
+        <p:blipFill>
+          <a:blip r:embed="rId3">
+            <a:alphaModFix/>
+          </a:blip>
+          <a:stretch>
+            <a:fillRect/>
+          </a:stretch>
+        </p:blipFill>
+        <p:spPr>
+          <a:xfrm>
+            <a:off x="670574" y="-1904391"/>
+            <a:ext cx="16946852" cy="16847554"/>
+          </a:xfrm>
+          <a:prstGeom prst="rect">
+            <a:avLst/>
+          </a:prstGeom>
+          <a:noFill/>
+          <a:ln>
+            <a:noFill/>
+          </a:ln>
+        </p:spPr>
+      </p:pic>
+      <p:sp>
+        <p:nvSpPr>
+          <p:cNvPr id="167" name="Google Shape;167;p15"/>
+          <p:cNvSpPr txBox="1"/>
+          <p:nvPr/>
+        </p:nvSpPr>
+        <p:spPr>
+          <a:xfrm>
+            <a:off x="1028700" y="4303395"/>
+            <a:ext cx="16230600" cy="2215991"/>
+          </a:xfrm>
+          <a:prstGeom prst="rect">
+            <a:avLst/>
+          </a:prstGeom>
+          <a:noFill/>
+          <a:ln>
+            <a:noFill/>
+          </a:ln>
+        </p:spPr>
+        <p:txBody>
+          <a:bodyPr spcFirstLastPara="1" wrap="square" lIns="0" tIns="0" rIns="0" bIns="0" anchor="t" anchorCtr="0">
+            <a:spAutoFit/>
+          </a:bodyPr>
+          <a:lstStyle/>
+          <a:p>
+            <a:pPr marL="0" marR="0" lvl="0" indent="0" algn="ctr" rtl="0">
+              <a:lnSpc>
+                <a:spcPct val="100000"/>
+              </a:lnSpc>
+              <a:spcBef>
+                <a:spcPts val="0"/>
+              </a:spcBef>
+              <a:spcAft>
+                <a:spcPts val="0"/>
+              </a:spcAft>
+              <a:buNone/>
+            </a:pPr>
+            <a:r>
+              <a:rPr lang="en-US" sz="14400" b="1">
+                <a:solidFill>
+                  <a:srgbClr val="FAF0CA"/>
+                </a:solidFill>
+                <a:latin typeface="Inter"/>
+                <a:ea typeface="Inter"/>
+                <a:sym typeface="Inter"/>
+              </a:rPr>
+              <a:t>THANK YOU</a:t>
+            </a:r>
+            <a:endParaRPr/>
+          </a:p>
+        </p:txBody>
+      </p:sp>
+    </p:spTree>
+  </p:cSld>
+  <p:clrMapOvr>
+    <a:masterClrMapping/>
+  </p:clrMapOvr>
+  <p:transition>
+    <p:push/>
+  </p:transition>
 </p:sld>
 </file>
 
@@ -9660,7 +9906,7 @@
               <a:buNone/>
             </a:pPr>
             <a:r>
-              <a:rPr lang="en-US" sz="8000" b="1" dirty="0">
+              <a:rPr lang="en-US" sz="8000" b="1">
                 <a:solidFill>
                   <a:srgbClr val="05041D"/>
                 </a:solidFill>
@@ -9670,7 +9916,7 @@
               </a:rPr>
               <a:t>PROJECT OVERVIEW</a:t>
             </a:r>
-            <a:endParaRPr dirty="0"/>
+            <a:endParaRPr/>
           </a:p>
         </p:txBody>
       </p:sp>
@@ -9689,7 +9935,7 @@
         <p:spPr>
           <a:xfrm>
             <a:off x="2343727" y="2294703"/>
-            <a:ext cx="13600545" cy="7109639"/>
+            <a:ext cx="13600545" cy="7478970"/>
           </a:xfrm>
           <a:prstGeom prst="rect">
             <a:avLst/>
@@ -9789,7 +10035,7 @@
             </a:pPr>
             <a:r>
               <a:rPr lang="en-US" sz="2400" dirty="0"/>
-              <a:t>Pipeline &amp; Database design </a:t>
+              <a:t>Pipeline &amp; database design (robust ETL pipeline, scalable database scheme)</a:t>
             </a:r>
           </a:p>
           <a:p>
@@ -9799,7 +10045,17 @@
             </a:pPr>
             <a:r>
               <a:rPr lang="en-US" sz="2400" dirty="0"/>
-              <a:t>Dashboard development (User friendly design)</a:t>
+              <a:t>Dashboard development (intuitive and interactive dashboard with user friendly design)</a:t>
+            </a:r>
+          </a:p>
+          <a:p>
+            <a:pPr marL="342900" indent="-342900">
+              <a:buFont typeface="Arial" panose="020B0604020202020204" pitchFamily="34" charset="0"/>
+              <a:buChar char="•"/>
+            </a:pPr>
+            <a:r>
+              <a:rPr lang="en-US" sz="2400" dirty="0"/>
+              <a:t>Trend visualizations (seasonal patterns, customer preferences, geographical distribution) </a:t>
             </a:r>
           </a:p>
           <a:p>
@@ -9821,7 +10077,7 @@
             </a:pPr>
             <a:r>
               <a:rPr lang="en-US" sz="2400" dirty="0"/>
-              <a:t>Sales analysis</a:t>
+              <a:t>Sales analysis (find high-performing products and regions)</a:t>
             </a:r>
           </a:p>
           <a:p>
@@ -9831,7 +10087,7 @@
             </a:pPr>
             <a:r>
               <a:rPr lang="en-US" sz="2400" dirty="0"/>
-              <a:t>Holiday insights</a:t>
+              <a:t>Holiday insights (highlight holiday sales spikes)</a:t>
             </a:r>
           </a:p>
           <a:p>
@@ -9841,7 +10097,7 @@
             </a:pPr>
             <a:r>
               <a:rPr lang="en-US" sz="2400" dirty="0"/>
-              <a:t>Geographical mapping (highlight customer density and geographical trends)</a:t>
+              <a:t>Geographical mapping (pinpoint customer density and geographical trends)</a:t>
             </a:r>
           </a:p>
           <a:p>
@@ -9851,7 +10107,7 @@
             </a:pPr>
             <a:r>
               <a:rPr lang="en-US" sz="2400" dirty="0"/>
-              <a:t>Performance metrics (revenue, averages)</a:t>
+              <a:t>Performance metrics (total revenue, averages)</a:t>
             </a:r>
           </a:p>
         </p:txBody>
@@ -9947,7 +10203,7 @@
               <a:buNone/>
             </a:pPr>
             <a:r>
-              <a:rPr lang="en-US" sz="8000" b="1" dirty="0">
+              <a:rPr lang="en-US" sz="8000" b="1">
                 <a:solidFill>
                   <a:srgbClr val="05041D"/>
                 </a:solidFill>
@@ -9957,7 +10213,7 @@
               </a:rPr>
               <a:t>MOTIVATION AND IMPORTANCE</a:t>
             </a:r>
-            <a:endParaRPr dirty="0"/>
+            <a:endParaRPr/>
           </a:p>
         </p:txBody>
       </p:sp>
@@ -9993,7 +10249,7 @@
               <a:buFont typeface="Arial" panose="020B0604020202020204" pitchFamily="34" charset="0"/>
               <a:buChar char="•"/>
             </a:pPr>
-            <a:endParaRPr lang="en-US" sz="2800" dirty="0"/>
+            <a:endParaRPr lang="en-US" sz="2800"/>
           </a:p>
         </p:txBody>
       </p:sp>
@@ -10011,8 +10267,8 @@
         </p:nvSpPr>
         <p:spPr>
           <a:xfrm>
-            <a:off x="2147460" y="3470536"/>
-            <a:ext cx="12492574" cy="4893647"/>
+            <a:off x="2147460" y="2725954"/>
+            <a:ext cx="12492574" cy="7109639"/>
           </a:xfrm>
           <a:prstGeom prst="rect">
             <a:avLst/>
@@ -10078,7 +10334,7 @@
                 <a:ea typeface="Inter"/>
                 <a:sym typeface="Inter"/>
               </a:rPr>
-              <a:t>Currently lacking interactive solutions</a:t>
+              <a:t>Currently solutions lack interactivity</a:t>
             </a:r>
           </a:p>
           <a:p>
@@ -10095,7 +10351,7 @@
                 <a:ea typeface="Inter"/>
                 <a:sym typeface="Inter"/>
               </a:rPr>
-              <a:t>External  factors can enhance sales trends</a:t>
+              <a:t>Incorporating external factors enhances sales trends</a:t>
             </a:r>
           </a:p>
           <a:p>
@@ -10145,7 +10401,7 @@
                 <a:ea typeface="Inter"/>
                 <a:sym typeface="Inter"/>
               </a:rPr>
-              <a:t>Marketing strategies</a:t>
+              <a:t>Develop smarter marketing strategies</a:t>
             </a:r>
           </a:p>
           <a:p>
@@ -10162,7 +10418,7 @@
                 <a:ea typeface="Inter"/>
                 <a:sym typeface="Inter"/>
               </a:rPr>
-              <a:t>Inventory management</a:t>
+              <a:t>Enhance inventory management</a:t>
             </a:r>
           </a:p>
           <a:p>
@@ -10179,7 +10435,7 @@
                 <a:ea typeface="Inter"/>
                 <a:sym typeface="Inter"/>
               </a:rPr>
-              <a:t>Who are the customers</a:t>
+              <a:t>Understand your customer base</a:t>
             </a:r>
           </a:p>
           <a:p>
@@ -10196,7 +10452,91 @@
                 <a:ea typeface="Inter"/>
                 <a:sym typeface="Inter"/>
               </a:rPr>
-              <a:t>When do sales peak</a:t>
+              <a:t>Pinpoint peak sales periods</a:t>
+            </a:r>
+          </a:p>
+          <a:p>
+            <a:endParaRPr lang="en-US" sz="2400" dirty="0">
+              <a:solidFill>
+                <a:schemeClr val="tx1"/>
+              </a:solidFill>
+              <a:latin typeface="+mn-lt"/>
+              <a:ea typeface="Inter"/>
+              <a:sym typeface="Inter"/>
+            </a:endParaRPr>
+          </a:p>
+          <a:p>
+            <a:r>
+              <a:rPr lang="en-US" sz="2400" b="1" dirty="0">
+                <a:solidFill>
+                  <a:schemeClr val="tx1"/>
+                </a:solidFill>
+                <a:latin typeface="+mn-lt"/>
+                <a:ea typeface="Inter"/>
+                <a:sym typeface="Inter"/>
+              </a:rPr>
+              <a:t>Added Value:</a:t>
+            </a:r>
+          </a:p>
+          <a:p>
+            <a:endParaRPr lang="en-US" sz="2400" b="1" dirty="0">
+              <a:solidFill>
+                <a:schemeClr val="tx1"/>
+              </a:solidFill>
+              <a:latin typeface="+mn-lt"/>
+              <a:ea typeface="Inter"/>
+              <a:sym typeface="Inter"/>
+            </a:endParaRPr>
+          </a:p>
+          <a:p>
+            <a:pPr marL="342900" indent="-342900">
+              <a:buFont typeface="Arial" panose="020B0604020202020204" pitchFamily="34" charset="0"/>
+              <a:buChar char="•"/>
+            </a:pPr>
+            <a:r>
+              <a:rPr lang="en-US" sz="2400" dirty="0">
+                <a:solidFill>
+                  <a:schemeClr val="tx1"/>
+                </a:solidFill>
+                <a:latin typeface="+mn-lt"/>
+                <a:ea typeface="Inter"/>
+                <a:sym typeface="Inter"/>
+              </a:rPr>
+              <a:t>Improved operational efficiency</a:t>
+            </a:r>
+          </a:p>
+          <a:p>
+            <a:pPr marL="342900" indent="-342900">
+              <a:buFont typeface="Arial" panose="020B0604020202020204" pitchFamily="34" charset="0"/>
+              <a:buChar char="•"/>
+            </a:pPr>
+            <a:r>
+              <a:rPr lang="en-US" sz="2400" dirty="0">
+                <a:solidFill>
+                  <a:schemeClr val="tx1"/>
+                </a:solidFill>
+                <a:latin typeface="+mn-lt"/>
+                <a:ea typeface="Inter"/>
+                <a:sym typeface="Inter"/>
+              </a:rPr>
+              <a:t>Data readable by all</a:t>
+            </a:r>
+          </a:p>
+          <a:p>
+            <a:pPr marL="342900" indent="-342900">
+              <a:buFont typeface="Arial" panose="020B0604020202020204" pitchFamily="34" charset="0"/>
+              <a:buChar char="•"/>
+            </a:pPr>
+            <a:r>
+              <a:rPr lang="en-US" sz="2400" dirty="0">
+                <a:solidFill>
+                  <a:schemeClr val="tx1"/>
+                </a:solidFill>
+                <a:latin typeface="+mn-lt"/>
+                <a:ea typeface="Inter"/>
+                <a:sym typeface="Inter"/>
+              </a:rPr>
+              <a:t>Scalability</a:t>
             </a:r>
           </a:p>
           <a:p>
@@ -10294,7 +10634,7 @@
               <a:buNone/>
             </a:pPr>
             <a:r>
-              <a:rPr lang="en-US" sz="8000" b="1" i="0" u="none" strike="noStrike" cap="none" dirty="0">
+              <a:rPr lang="en-US" sz="8000" b="1" i="0" u="none" strike="noStrike" cap="none">
                 <a:solidFill>
                   <a:srgbClr val="05041D"/>
                 </a:solidFill>
@@ -10331,7 +10671,7 @@
         </p:blipFill>
         <p:spPr>
           <a:xfrm>
-            <a:off x="3882188" y="2603901"/>
+            <a:off x="494009" y="2573285"/>
             <a:ext cx="10523621" cy="6796505"/>
           </a:xfrm>
           <a:prstGeom prst="rect">
@@ -10339,6 +10679,149 @@
           </a:prstGeom>
         </p:spPr>
       </p:pic>
+      <p:sp>
+        <p:nvSpPr>
+          <p:cNvPr id="2" name="TextBox 1">
+            <a:extLst>
+              <a:ext uri="{FF2B5EF4-FFF2-40B4-BE49-F238E27FC236}">
+                <a16:creationId xmlns:a16="http://schemas.microsoft.com/office/drawing/2014/main" id="{B0151F3D-BDFD-9EFF-9BA1-8F7C27D0AFD2}"/>
+              </a:ext>
+            </a:extLst>
+          </p:cNvPr>
+          <p:cNvSpPr txBox="1"/>
+          <p:nvPr/>
+        </p:nvSpPr>
+        <p:spPr>
+          <a:xfrm>
+            <a:off x="11429999" y="2667000"/>
+            <a:ext cx="6637421" cy="6463308"/>
+          </a:xfrm>
+          <a:prstGeom prst="rect">
+            <a:avLst/>
+          </a:prstGeom>
+          <a:noFill/>
+        </p:spPr>
+        <p:txBody>
+          <a:bodyPr rot="0" spcFirstLastPara="0" vertOverflow="overflow" horzOverflow="overflow" vert="horz" wrap="square" lIns="91440" tIns="45720" rIns="91440" bIns="45720" numCol="1" spcCol="0" rtlCol="0" fromWordArt="0" anchor="t" anchorCtr="0" forceAA="0" compatLnSpc="1">
+            <a:prstTxWarp prst="textNoShape">
+              <a:avLst/>
+            </a:prstTxWarp>
+            <a:spAutoFit/>
+          </a:bodyPr>
+          <a:lstStyle/>
+          <a:p>
+            <a:pPr algn="l"/>
+            <a:endParaRPr lang="en-US" sz="2000"/>
+          </a:p>
+          <a:p>
+            <a:pPr>
+              <a:buChar char="•"/>
+            </a:pPr>
+            <a:r>
+              <a:rPr lang="en-US" sz="2000" b="1"/>
+              <a:t>Sales</a:t>
+            </a:r>
+            <a:endParaRPr lang="en-US" sz="2000"/>
+          </a:p>
+          <a:p>
+            <a:pPr marL="457200" lvl="1">
+              <a:buFont typeface="Courier New"/>
+              <a:buChar char="o"/>
+            </a:pPr>
+            <a:r>
+              <a:rPr lang="en-US" sz="2000"/>
+              <a:t>Combined data for instore purchases from Walmart datasets and online purchases from Amazon data on Kaggle.</a:t>
+            </a:r>
+          </a:p>
+          <a:p>
+            <a:pPr marL="457200" lvl="1">
+              <a:buFont typeface="Courier New"/>
+              <a:buChar char="o"/>
+            </a:pPr>
+            <a:endParaRPr lang="en-US" sz="2000"/>
+          </a:p>
+          <a:p>
+            <a:pPr>
+              <a:buChar char="•"/>
+            </a:pPr>
+            <a:r>
+              <a:rPr lang="en-US" sz="2000" b="1"/>
+              <a:t>Locations</a:t>
+            </a:r>
+            <a:endParaRPr lang="en-US" sz="2000"/>
+          </a:p>
+          <a:p>
+            <a:pPr marL="457200" lvl="1">
+              <a:buFont typeface="Courier New"/>
+              <a:buChar char="o"/>
+            </a:pPr>
+            <a:r>
+              <a:rPr lang="en-US" sz="2000"/>
+              <a:t> Studied how Walmart organizes stores across 2,614 cities and created a dataset for 2,000 cities based on proximity and population.</a:t>
+            </a:r>
+          </a:p>
+          <a:p>
+            <a:pPr marL="457200" lvl="1">
+              <a:buFont typeface="Courier New"/>
+              <a:buChar char="o"/>
+            </a:pPr>
+            <a:endParaRPr lang="en-US" sz="2000"/>
+          </a:p>
+          <a:p>
+            <a:pPr>
+              <a:buChar char="•"/>
+            </a:pPr>
+            <a:r>
+              <a:rPr lang="en-US" sz="2000" b="1"/>
+              <a:t>Holidays</a:t>
+            </a:r>
+            <a:endParaRPr lang="en-US" sz="2000"/>
+          </a:p>
+          <a:p>
+            <a:pPr marL="457200" lvl="1">
+              <a:buFont typeface="Courier New"/>
+              <a:buChar char="o"/>
+            </a:pPr>
+            <a:r>
+              <a:rPr lang="en-US" sz="2000"/>
+              <a:t>Designed a dataset combining national holidays, regional holidays, and major retail events like Black Friday (2018–2023).</a:t>
+            </a:r>
+          </a:p>
+          <a:p>
+            <a:pPr marL="457200" lvl="1">
+              <a:buFont typeface="Courier New"/>
+              <a:buChar char="o"/>
+            </a:pPr>
+            <a:endParaRPr lang="en-US" sz="2000"/>
+          </a:p>
+          <a:p>
+            <a:pPr>
+              <a:buChar char="•"/>
+            </a:pPr>
+            <a:r>
+              <a:rPr lang="en-US" sz="2000" b="1"/>
+              <a:t>Customer Demographics</a:t>
+            </a:r>
+            <a:endParaRPr lang="en-US" sz="2000"/>
+          </a:p>
+          <a:p>
+            <a:pPr marL="457200" lvl="1">
+              <a:buFont typeface="Courier New"/>
+              <a:buChar char="o"/>
+            </a:pPr>
+            <a:r>
+              <a:rPr lang="en-US" sz="2000"/>
+              <a:t>Synthesized data for 50,000 customers, including gender-neutral options, mapped to the 2,000 cities dataset.</a:t>
+            </a:r>
+          </a:p>
+          <a:p>
+            <a:pPr marL="285750" indent="-285750">
+              <a:buChar char="•"/>
+            </a:pPr>
+            <a:endParaRPr lang="en-US"/>
+          </a:p>
+        </p:txBody>
+      </p:sp>
     </p:spTree>
   </p:cSld>
   <p:clrMapOvr>
@@ -10351,6 +10834,366 @@
 </file>
 
 <file path=ppt/slides/slide5.xml><?xml version="1.0" encoding="utf-8"?>
+<p:sld xmlns:a="http://schemas.openxmlformats.org/drawingml/2006/main" xmlns:r="http://schemas.openxmlformats.org/officeDocument/2006/relationships" xmlns:p="http://schemas.openxmlformats.org/presentationml/2006/main">
+  <p:cSld>
+    <p:bg>
+      <p:bgPr>
+        <a:solidFill>
+          <a:srgbClr val="FBF0CA"/>
+        </a:solidFill>
+        <a:effectLst/>
+      </p:bgPr>
+    </p:bg>
+    <p:spTree>
+      <p:nvGrpSpPr>
+        <p:cNvPr id="1" name="Shape 266">
+          <a:extLst>
+            <a:ext uri="{FF2B5EF4-FFF2-40B4-BE49-F238E27FC236}">
+              <a16:creationId xmlns:a16="http://schemas.microsoft.com/office/drawing/2014/main" id="{C026BD88-960E-4E65-E1D8-21A6C9473488}"/>
+            </a:ext>
+          </a:extLst>
+        </p:cNvPr>
+        <p:cNvGrpSpPr/>
+        <p:nvPr/>
+      </p:nvGrpSpPr>
+      <p:grpSpPr>
+        <a:xfrm>
+          <a:off x="0" y="0"/>
+          <a:ext cx="0" cy="0"/>
+          <a:chOff x="0" y="0"/>
+          <a:chExt cx="0" cy="0"/>
+        </a:xfrm>
+      </p:grpSpPr>
+      <p:sp>
+        <p:nvSpPr>
+          <p:cNvPr id="268" name="Google Shape;268;p21">
+            <a:extLst>
+              <a:ext uri="{FF2B5EF4-FFF2-40B4-BE49-F238E27FC236}">
+                <a16:creationId xmlns:a16="http://schemas.microsoft.com/office/drawing/2014/main" id="{757250F6-B5C0-890C-B1AE-7AE4A337E9BE}"/>
+              </a:ext>
+            </a:extLst>
+          </p:cNvPr>
+          <p:cNvSpPr txBox="1"/>
+          <p:nvPr/>
+        </p:nvSpPr>
+        <p:spPr>
+          <a:xfrm>
+            <a:off x="656756" y="1266980"/>
+            <a:ext cx="16974487" cy="984885"/>
+          </a:xfrm>
+          <a:prstGeom prst="rect">
+            <a:avLst/>
+          </a:prstGeom>
+          <a:noFill/>
+          <a:ln>
+            <a:noFill/>
+          </a:ln>
+        </p:spPr>
+        <p:txBody>
+          <a:bodyPr spcFirstLastPara="1" wrap="square" lIns="0" tIns="0" rIns="0" bIns="0" anchor="t" anchorCtr="0">
+            <a:spAutoFit/>
+          </a:bodyPr>
+          <a:lstStyle/>
+          <a:p>
+            <a:pPr marL="0" marR="0" lvl="0" indent="0" algn="ctr" rtl="0">
+              <a:lnSpc>
+                <a:spcPct val="80000"/>
+              </a:lnSpc>
+              <a:spcBef>
+                <a:spcPts val="0"/>
+              </a:spcBef>
+              <a:spcAft>
+                <a:spcPts val="0"/>
+              </a:spcAft>
+              <a:buNone/>
+            </a:pPr>
+            <a:r>
+              <a:rPr lang="en-US" sz="8000" b="1" dirty="0">
+                <a:solidFill>
+                  <a:srgbClr val="05041D"/>
+                </a:solidFill>
+                <a:latin typeface="Inter"/>
+                <a:ea typeface="Inter"/>
+                <a:sym typeface="Inter"/>
+              </a:rPr>
+              <a:t>LITERATURE REVIEW</a:t>
+            </a:r>
+            <a:endParaRPr dirty="0"/>
+          </a:p>
+        </p:txBody>
+      </p:sp>
+      <p:sp>
+        <p:nvSpPr>
+          <p:cNvPr id="3" name="TextBox 2">
+            <a:extLst>
+              <a:ext uri="{FF2B5EF4-FFF2-40B4-BE49-F238E27FC236}">
+                <a16:creationId xmlns:a16="http://schemas.microsoft.com/office/drawing/2014/main" id="{673AAE25-A784-7BFA-D1DB-A78E34BD66F4}"/>
+              </a:ext>
+            </a:extLst>
+          </p:cNvPr>
+          <p:cNvSpPr txBox="1"/>
+          <p:nvPr/>
+        </p:nvSpPr>
+        <p:spPr>
+          <a:xfrm>
+            <a:off x="1674254" y="4031087"/>
+            <a:ext cx="473206" cy="523220"/>
+          </a:xfrm>
+          <a:prstGeom prst="rect">
+            <a:avLst/>
+          </a:prstGeom>
+          <a:noFill/>
+        </p:spPr>
+        <p:txBody>
+          <a:bodyPr wrap="none" rtlCol="0">
+            <a:spAutoFit/>
+          </a:bodyPr>
+          <a:lstStyle/>
+          <a:p>
+            <a:pPr marL="285750" indent="-285750">
+              <a:buFont typeface="Arial" panose="020B0604020202020204" pitchFamily="34" charset="0"/>
+              <a:buChar char="•"/>
+            </a:pPr>
+            <a:endParaRPr lang="en-US" sz="2800"/>
+          </a:p>
+        </p:txBody>
+      </p:sp>
+      <p:sp>
+        <p:nvSpPr>
+          <p:cNvPr id="4" name="TextBox 3">
+            <a:extLst>
+              <a:ext uri="{FF2B5EF4-FFF2-40B4-BE49-F238E27FC236}">
+                <a16:creationId xmlns:a16="http://schemas.microsoft.com/office/drawing/2014/main" id="{1FBEF9DE-5667-5D5B-C324-BD589C4BF51E}"/>
+              </a:ext>
+            </a:extLst>
+          </p:cNvPr>
+          <p:cNvSpPr txBox="1"/>
+          <p:nvPr/>
+        </p:nvSpPr>
+        <p:spPr>
+          <a:xfrm>
+            <a:off x="2147460" y="2725954"/>
+            <a:ext cx="12492574" cy="6247864"/>
+          </a:xfrm>
+          <a:prstGeom prst="rect">
+            <a:avLst/>
+          </a:prstGeom>
+          <a:noFill/>
+        </p:spPr>
+        <p:txBody>
+          <a:bodyPr wrap="square" rtlCol="0">
+            <a:spAutoFit/>
+          </a:bodyPr>
+          <a:lstStyle/>
+          <a:p>
+            <a:pPr rtl="0">
+              <a:buFont typeface="+mj-lt"/>
+              <a:buAutoNum type="arabicPeriod"/>
+            </a:pPr>
+            <a:r>
+              <a:rPr lang="en-US" sz="1600" b="1" dirty="0"/>
+              <a:t>Sales Data</a:t>
+            </a:r>
+            <a:r>
+              <a:rPr lang="en-US" sz="1600" dirty="0"/>
+              <a:t>: </a:t>
+            </a:r>
+          </a:p>
+          <a:p>
+            <a:pPr marL="742950" lvl="1" indent="-285750" rtl="0">
+              <a:buFont typeface="+mj-lt"/>
+              <a:buAutoNum type="arabicPeriod"/>
+            </a:pPr>
+            <a:r>
+              <a:rPr lang="en-US" sz="1600" b="1" dirty="0"/>
+              <a:t>Retail Sales Trends</a:t>
+            </a:r>
+            <a:r>
+              <a:rPr lang="en-US" sz="1600" dirty="0"/>
+              <a:t>: Studies on omnichannel retail strategies (Chen et al., 2020) emphasize the importance of integrating online and instore sales data to analyze customer behavior effectively. Using Walmart's instore data and Amazon's online sales data aligns with this approach, providing insights into shopping preferences and channel-specific trends.</a:t>
+            </a:r>
+          </a:p>
+          <a:p>
+            <a:pPr marL="742950" lvl="1" indent="-285750" rtl="0">
+              <a:buFont typeface="+mj-lt"/>
+              <a:buAutoNum type="arabicPeriod"/>
+            </a:pPr>
+            <a:r>
+              <a:rPr lang="en-US" sz="1600" b="1" dirty="0"/>
+              <a:t>Mode of Purchase</a:t>
+            </a:r>
+            <a:r>
+              <a:rPr lang="en-US" sz="1600" dirty="0"/>
+              <a:t>: Research by Grewal et al. (2017) highlights how purchase modes (instore vs. online) impact customer satisfaction and sales patterns. Sampling these modes helps create a realistic dataset for understanding consumer behavior.</a:t>
+            </a:r>
+          </a:p>
+          <a:p>
+            <a:pPr rtl="0">
+              <a:buFont typeface="+mj-lt"/>
+              <a:buAutoNum type="arabicPeriod"/>
+            </a:pPr>
+            <a:r>
+              <a:rPr lang="en-US" sz="1600" b="1" dirty="0"/>
+              <a:t>Locations Data</a:t>
+            </a:r>
+            <a:r>
+              <a:rPr lang="en-US" sz="1600" dirty="0"/>
+              <a:t>: </a:t>
+            </a:r>
+          </a:p>
+          <a:p>
+            <a:pPr marL="742950" lvl="1" indent="-285750" rtl="0">
+              <a:buFont typeface="+mj-lt"/>
+              <a:buAutoNum type="arabicPeriod"/>
+            </a:pPr>
+            <a:r>
+              <a:rPr lang="en-US" sz="1600" b="1" dirty="0"/>
+              <a:t>Store Location Optimization</a:t>
+            </a:r>
+            <a:r>
+              <a:rPr lang="en-US" sz="1600" dirty="0"/>
+              <a:t>: Literature on retail store placements (Reyes et al., 2019) suggests that factors like population density, proximity, and accessibility are critical in determining store locations. By studying Walmart's real-world store distribution across 2,614 cities, the dataset leverages proven methodologies for proximity-based location planning.</a:t>
+            </a:r>
+          </a:p>
+          <a:p>
+            <a:pPr marL="742950" lvl="1" indent="-285750" rtl="0">
+              <a:buFont typeface="+mj-lt"/>
+              <a:buAutoNum type="arabicPeriod"/>
+            </a:pPr>
+            <a:r>
+              <a:rPr lang="en-US" sz="1600" b="1" dirty="0"/>
+              <a:t>City-Level Analysis</a:t>
+            </a:r>
+            <a:r>
+              <a:rPr lang="en-US" sz="1600" dirty="0"/>
+              <a:t>: Papers like "Geographic Retail Dynamics" (Thomas et al., 2018) validate the importance of selecting major cities for dataset creation, reflecting realistic retail coverage.</a:t>
+            </a:r>
+          </a:p>
+          <a:p>
+            <a:pPr rtl="0">
+              <a:buFont typeface="+mj-lt"/>
+              <a:buAutoNum type="arabicPeriod"/>
+            </a:pPr>
+            <a:r>
+              <a:rPr lang="en-US" sz="1600" b="1" dirty="0"/>
+              <a:t>Holidays Data</a:t>
+            </a:r>
+            <a:r>
+              <a:rPr lang="en-US" sz="1600" dirty="0"/>
+              <a:t>: </a:t>
+            </a:r>
+          </a:p>
+          <a:p>
+            <a:pPr marL="742950" lvl="1" indent="-285750" rtl="0">
+              <a:buFont typeface="+mj-lt"/>
+              <a:buAutoNum type="arabicPeriod"/>
+            </a:pPr>
+            <a:r>
+              <a:rPr lang="en-US" sz="1600" b="1" dirty="0"/>
+              <a:t>Seasonal Sales Patterns</a:t>
+            </a:r>
+            <a:r>
+              <a:rPr lang="en-US" sz="1600" dirty="0"/>
+              <a:t>: Academic studies (e.g., </a:t>
+            </a:r>
+            <a:r>
+              <a:rPr lang="en-US" sz="1600" dirty="0" err="1"/>
+              <a:t>Dekimpe</a:t>
+            </a:r>
+            <a:r>
+              <a:rPr lang="en-US" sz="1600" dirty="0"/>
+              <a:t> et al., 2020) confirm that holidays like Black Friday and Christmas significantly influence retail sales spikes. Including regional holidays and retail-specific events in the dataset aligns with these findings, enabling accurate analysis of seasonal trends.</a:t>
+            </a:r>
+          </a:p>
+          <a:p>
+            <a:pPr marL="742950" lvl="1" indent="-285750" rtl="0">
+              <a:buFont typeface="+mj-lt"/>
+              <a:buAutoNum type="arabicPeriod"/>
+            </a:pPr>
+            <a:r>
+              <a:rPr lang="en-US" sz="1600" b="1" dirty="0"/>
+              <a:t>Regional Variations</a:t>
+            </a:r>
+            <a:r>
+              <a:rPr lang="en-US" sz="1600" dirty="0"/>
+              <a:t>: Research on regional shopping behaviors (Hui et al., 2019) highlights the importance of incorporating state-specific holidays, like Patriots' Day, to capture localized sales patterns.</a:t>
+            </a:r>
+          </a:p>
+          <a:p>
+            <a:pPr rtl="0">
+              <a:buFont typeface="+mj-lt"/>
+              <a:buAutoNum type="arabicPeriod"/>
+            </a:pPr>
+            <a:r>
+              <a:rPr lang="en-US" sz="1600" b="1" dirty="0"/>
+              <a:t>Customer Demographics</a:t>
+            </a:r>
+            <a:r>
+              <a:rPr lang="en-US" sz="1600" dirty="0"/>
+              <a:t>: </a:t>
+            </a:r>
+          </a:p>
+          <a:p>
+            <a:pPr marL="742950" lvl="1" indent="-285750" rtl="0">
+              <a:buFont typeface="+mj-lt"/>
+              <a:buAutoNum type="arabicPeriod"/>
+            </a:pPr>
+            <a:r>
+              <a:rPr lang="en-US" sz="1600" b="1" dirty="0"/>
+              <a:t>Synthetic Data Generation</a:t>
+            </a:r>
+            <a:r>
+              <a:rPr lang="en-US" sz="1600" dirty="0"/>
+              <a:t>: Studies on privacy-preserving synthetic data generation (Xu et al., 2019) validate the approach of synthesizing customer profiles, especially when real data is unavailable or incomplete.</a:t>
+            </a:r>
+          </a:p>
+          <a:p>
+            <a:pPr marL="742950" lvl="1" indent="-285750" rtl="0">
+              <a:buFont typeface="+mj-lt"/>
+              <a:buAutoNum type="arabicPeriod"/>
+            </a:pPr>
+            <a:r>
+              <a:rPr lang="en-US" sz="1600" b="1" dirty="0"/>
+              <a:t>Gender Inclusivity</a:t>
+            </a:r>
+            <a:r>
+              <a:rPr lang="en-US" sz="1600" dirty="0"/>
+              <a:t>: Research on diversity in data (Smith et al., 2021) emphasizes the inclusion of gender-neutral options to ensure equitable representation, making the dataset more inclusive and aligned with modern standards.</a:t>
+            </a:r>
+          </a:p>
+          <a:p>
+            <a:pPr marL="742950" lvl="1" indent="-285750" rtl="0">
+              <a:buFont typeface="+mj-lt"/>
+              <a:buAutoNum type="arabicPeriod"/>
+            </a:pPr>
+            <a:r>
+              <a:rPr lang="en-US" sz="1600" b="1" dirty="0"/>
+              <a:t>Demographic Distribution</a:t>
+            </a:r>
+            <a:r>
+              <a:rPr lang="en-US" sz="1600" dirty="0"/>
+              <a:t>: U.S. Census-based demographic studies (e.g., Frey, 2020) provide benchmarks for realistic age and income level distributions, ensuring the dataset reflects actual population characteristics.</a:t>
+            </a:r>
+          </a:p>
+        </p:txBody>
+      </p:sp>
+    </p:spTree>
+    <p:extLst>
+      <p:ext uri="{BB962C8B-B14F-4D97-AF65-F5344CB8AC3E}">
+        <p14:creationId xmlns:p14="http://schemas.microsoft.com/office/powerpoint/2010/main" val="1477922674"/>
+      </p:ext>
+    </p:extLst>
+  </p:cSld>
+  <p:clrMapOvr>
+    <a:masterClrMapping/>
+  </p:clrMapOvr>
+  <p:transition>
+    <p:push/>
+  </p:transition>
+</p:sld>
+</file>
+
+<file path=ppt/slides/slide6.xml><?xml version="1.0" encoding="utf-8"?>
 <p:sld xmlns:a="http://schemas.openxmlformats.org/drawingml/2006/main" xmlns:r="http://schemas.openxmlformats.org/officeDocument/2006/relationships" xmlns:p="http://schemas.openxmlformats.org/presentationml/2006/main">
   <p:cSld>
     <p:bg>
@@ -10413,7 +11256,7 @@
               <a:buNone/>
             </a:pPr>
             <a:r>
-              <a:rPr lang="en-US" sz="8000" b="1" i="0" u="none" strike="noStrike" cap="none" dirty="0">
+              <a:rPr lang="en-US" sz="8000" b="1" i="0" u="none" strike="noStrike" cap="none">
                 <a:solidFill>
                   <a:srgbClr val="05041D"/>
                 </a:solidFill>
@@ -10424,7 +11267,7 @@
               </a:rPr>
               <a:t>SYSTEM ARCHITECTURE</a:t>
             </a:r>
-            <a:endParaRPr dirty="0"/>
+            <a:endParaRPr/>
           </a:p>
         </p:txBody>
       </p:sp>
@@ -10469,7 +11312,7 @@
 </p:sld>
 </file>
 
-<file path=ppt/slides/slide6.xml><?xml version="1.0" encoding="utf-8"?>
+<file path=ppt/slides/slide7.xml><?xml version="1.0" encoding="utf-8"?>
 <p:sld xmlns:a="http://schemas.openxmlformats.org/drawingml/2006/main" xmlns:r="http://schemas.openxmlformats.org/officeDocument/2006/relationships" xmlns:p="http://schemas.openxmlformats.org/presentationml/2006/main">
   <p:cSld>
     <p:bg>
@@ -10532,7 +11375,7 @@
               <a:buNone/>
             </a:pPr>
             <a:r>
-              <a:rPr lang="en-US" sz="8000" b="1" dirty="0">
+              <a:rPr lang="en-US" sz="8000" b="1">
                 <a:solidFill>
                   <a:srgbClr val="05041D"/>
                 </a:solidFill>
@@ -10542,7 +11385,7 @@
               </a:rPr>
               <a:t>BACKEND DEMO</a:t>
             </a:r>
-            <a:endParaRPr dirty="0"/>
+            <a:endParaRPr/>
           </a:p>
         </p:txBody>
       </p:sp>
@@ -10557,7 +11400,7 @@
 </p:sld>
 </file>
 
-<file path=ppt/slides/slide7.xml><?xml version="1.0" encoding="utf-8"?>
+<file path=ppt/slides/slide8.xml><?xml version="1.0" encoding="utf-8"?>
 <p:sld xmlns:a="http://schemas.openxmlformats.org/drawingml/2006/main" xmlns:r="http://schemas.openxmlformats.org/officeDocument/2006/relationships" xmlns:p="http://schemas.openxmlformats.org/presentationml/2006/main">
   <p:cSld>
     <p:bg>
@@ -10602,7 +11445,7 @@
         </p:nvSpPr>
         <p:spPr>
           <a:xfrm>
-            <a:off x="1028700" y="4158615"/>
+            <a:off x="1028700" y="4651057"/>
             <a:ext cx="16230600" cy="984885"/>
           </a:xfrm>
           <a:prstGeom prst="rect">
@@ -10662,7 +11505,7 @@
 </p:sld>
 </file>
 
-<file path=ppt/slides/slide8.xml><?xml version="1.0" encoding="utf-8"?>
+<file path=ppt/slides/slide9.xml><?xml version="1.0" encoding="utf-8"?>
 <p:sld xmlns:a="http://schemas.openxmlformats.org/drawingml/2006/main" xmlns:r="http://schemas.openxmlformats.org/officeDocument/2006/relationships" xmlns:p="http://schemas.openxmlformats.org/presentationml/2006/main">
   <p:cSld>
     <p:bg>
@@ -10745,241 +11588,240 @@
                 <a:ea typeface="Inter"/>
                 <a:sym typeface="Inter"/>
               </a:rPr>
-              <a:t>KEY FINDINGS</a:t>
+              <a:t>CONCLUSION</a:t>
             </a:r>
             <a:endParaRPr dirty="0"/>
           </a:p>
         </p:txBody>
       </p:sp>
-      <p:pic>
-        <p:nvPicPr>
-          <p:cNvPr id="3" name="Picture 2" descr="A black background with white text&#10;&#10;Description automatically generated">
+      <p:sp>
+        <p:nvSpPr>
+          <p:cNvPr id="4" name="TextBox 3">
             <a:extLst>
               <a:ext uri="{FF2B5EF4-FFF2-40B4-BE49-F238E27FC236}">
-                <a16:creationId xmlns:a16="http://schemas.microsoft.com/office/drawing/2014/main" id="{FECA90FC-3172-B09D-C0E6-560D089547D1}"/>
+                <a16:creationId xmlns:a16="http://schemas.microsoft.com/office/drawing/2014/main" id="{E1A5B050-7063-1448-04C3-FC8E2E46ED0C}"/>
               </a:ext>
             </a:extLst>
           </p:cNvPr>
-          <p:cNvPicPr>
-            <a:picLocks noChangeAspect="1"/>
-          </p:cNvPicPr>
+          <p:cNvSpPr txBox="1"/>
           <p:nvPr/>
-        </p:nvPicPr>
-        <p:blipFill>
-          <a:blip r:embed="rId3"/>
-          <a:stretch>
-            <a:fillRect/>
-          </a:stretch>
-        </p:blipFill>
+        </p:nvSpPr>
         <p:spPr>
           <a:xfrm>
-            <a:off x="9901976" y="6836752"/>
-            <a:ext cx="5259566" cy="1392484"/>
-          </a:xfrm>
-          <a:prstGeom prst="rect">
-            <a:avLst/>
-          </a:prstGeom>
-        </p:spPr>
-      </p:pic>
-      <p:pic>
-        <p:nvPicPr>
-          <p:cNvPr id="1026" name="Picture 2" descr="0">
-            <a:extLst>
-              <a:ext uri="{FF2B5EF4-FFF2-40B4-BE49-F238E27FC236}">
-                <a16:creationId xmlns:a16="http://schemas.microsoft.com/office/drawing/2014/main" id="{4BD9C576-FEC7-FF01-2D68-1A6AE03DAC20}"/>
-              </a:ext>
-            </a:extLst>
-          </p:cNvPr>
-          <p:cNvPicPr>
-            <a:picLocks noChangeAspect="1" noChangeArrowheads="1"/>
-          </p:cNvPicPr>
-          <p:nvPr/>
-        </p:nvPicPr>
-        <p:blipFill>
-          <a:blip r:embed="rId4">
-            <a:extLst>
-              <a:ext uri="{28A0092B-C50C-407E-A947-70E740481C1C}">
-                <a14:useLocalDpi xmlns:a14="http://schemas.microsoft.com/office/drawing/2010/main" val="0"/>
-              </a:ext>
-            </a:extLst>
-          </a:blip>
-          <a:srcRect/>
-          <a:stretch>
-            <a:fillRect/>
-          </a:stretch>
-        </p:blipFill>
-        <p:spPr bwMode="auto">
-          <a:xfrm>
-            <a:off x="1860607" y="3085736"/>
-            <a:ext cx="6525419" cy="5143500"/>
+            <a:off x="1711234" y="2696676"/>
+            <a:ext cx="9144000" cy="4893647"/>
           </a:xfrm>
           <a:prstGeom prst="rect">
             <a:avLst/>
           </a:prstGeom>
           <a:noFill/>
-          <a:extLst>
-            <a:ext uri="{909E8E84-426E-40DD-AFC4-6F175D3DCCD1}">
-              <a14:hiddenFill xmlns:a14="http://schemas.microsoft.com/office/drawing/2010/main">
-                <a:solidFill>
-                  <a:srgbClr val="FFFFFF"/>
-                </a:solidFill>
-              </a14:hiddenFill>
-            </a:ext>
-          </a:extLst>
         </p:spPr>
-      </p:pic>
-      <p:pic>
-        <p:nvPicPr>
-          <p:cNvPr id="5" name="Picture 4" descr="A screenshot of a phone&#10;&#10;Description automatically generated">
-            <a:extLst>
-              <a:ext uri="{FF2B5EF4-FFF2-40B4-BE49-F238E27FC236}">
-                <a16:creationId xmlns:a16="http://schemas.microsoft.com/office/drawing/2014/main" id="{7C4C64CF-7AFA-82D5-7569-444B258ADB7C}"/>
-              </a:ext>
-            </a:extLst>
-          </p:cNvPr>
-          <p:cNvPicPr>
-            <a:picLocks noChangeAspect="1"/>
-          </p:cNvPicPr>
-          <p:nvPr/>
-        </p:nvPicPr>
-        <p:blipFill>
-          <a:blip r:embed="rId5"/>
-          <a:stretch>
-            <a:fillRect/>
-          </a:stretch>
-        </p:blipFill>
-        <p:spPr>
-          <a:xfrm>
-            <a:off x="9901976" y="3085736"/>
-            <a:ext cx="5259566" cy="3094759"/>
-          </a:xfrm>
-          <a:prstGeom prst="rect">
-            <a:avLst/>
-          </a:prstGeom>
-        </p:spPr>
-      </p:pic>
+        <p:txBody>
+          <a:bodyPr wrap="square">
+            <a:spAutoFit/>
+          </a:bodyPr>
+          <a:lstStyle/>
+          <a:p>
+            <a:r>
+              <a:rPr lang="en-US" sz="2400" b="1" dirty="0">
+                <a:solidFill>
+                  <a:schemeClr val="tx1"/>
+                </a:solidFill>
+                <a:latin typeface="+mn-lt"/>
+                <a:ea typeface="Inter"/>
+                <a:sym typeface="Inter"/>
+              </a:rPr>
+              <a:t>Outcomes:</a:t>
+            </a:r>
+          </a:p>
+          <a:p>
+            <a:endParaRPr lang="en-US" sz="2400" b="1" dirty="0">
+              <a:solidFill>
+                <a:schemeClr val="tx1"/>
+              </a:solidFill>
+              <a:latin typeface="+mn-lt"/>
+              <a:ea typeface="Inter"/>
+              <a:sym typeface="Inter"/>
+            </a:endParaRPr>
+          </a:p>
+          <a:p>
+            <a:pPr marL="342900" indent="-342900">
+              <a:buFont typeface="Arial" panose="020B0604020202020204" pitchFamily="34" charset="0"/>
+              <a:buChar char="•"/>
+            </a:pPr>
+            <a:r>
+              <a:rPr lang="en-US" sz="2400" dirty="0">
+                <a:solidFill>
+                  <a:schemeClr val="tx1"/>
+                </a:solidFill>
+                <a:latin typeface="+mn-lt"/>
+                <a:ea typeface="Inter"/>
+                <a:sym typeface="Inter"/>
+              </a:rPr>
+              <a:t>Developed a scalable pipeline</a:t>
+            </a:r>
+          </a:p>
+          <a:p>
+            <a:pPr marL="342900" indent="-342900">
+              <a:buFont typeface="Arial" panose="020B0604020202020204" pitchFamily="34" charset="0"/>
+              <a:buChar char="•"/>
+            </a:pPr>
+            <a:r>
+              <a:rPr lang="en-US" sz="2400" dirty="0">
+                <a:solidFill>
+                  <a:schemeClr val="tx1"/>
+                </a:solidFill>
+                <a:latin typeface="+mn-lt"/>
+                <a:ea typeface="Inter"/>
+                <a:sym typeface="Inter"/>
+              </a:rPr>
+              <a:t>Interactive dashboard with filter capabilities</a:t>
+            </a:r>
+          </a:p>
+          <a:p>
+            <a:pPr marL="342900" indent="-342900">
+              <a:buFont typeface="Arial" panose="020B0604020202020204" pitchFamily="34" charset="0"/>
+              <a:buChar char="•"/>
+            </a:pPr>
+            <a:r>
+              <a:rPr lang="en-US" sz="2400" dirty="0">
+                <a:solidFill>
+                  <a:schemeClr val="tx1"/>
+                </a:solidFill>
+                <a:latin typeface="+mn-lt"/>
+                <a:ea typeface="Inter"/>
+                <a:sym typeface="Inter"/>
+              </a:rPr>
+              <a:t>Visualizations to support business decisions</a:t>
+            </a:r>
+          </a:p>
+          <a:p>
+            <a:pPr marL="342900" indent="-342900">
+              <a:buFont typeface="Arial" panose="020B0604020202020204" pitchFamily="34" charset="0"/>
+              <a:buChar char="•"/>
+            </a:pPr>
+            <a:r>
+              <a:rPr lang="en-US" sz="2400" dirty="0">
+                <a:solidFill>
+                  <a:schemeClr val="tx1"/>
+                </a:solidFill>
+                <a:latin typeface="+mn-lt"/>
+                <a:ea typeface="Inter"/>
+                <a:sym typeface="Inter"/>
+              </a:rPr>
+              <a:t>Geospatial mapping</a:t>
+            </a:r>
+          </a:p>
+          <a:p>
+            <a:pPr marL="342900" indent="-342900">
+              <a:buFont typeface="Arial" panose="020B0604020202020204" pitchFamily="34" charset="0"/>
+              <a:buChar char="•"/>
+            </a:pPr>
+            <a:endParaRPr lang="en-US" sz="2400" dirty="0">
+              <a:solidFill>
+                <a:schemeClr val="tx1"/>
+              </a:solidFill>
+              <a:latin typeface="+mn-lt"/>
+              <a:ea typeface="Inter"/>
+              <a:sym typeface="Inter"/>
+            </a:endParaRPr>
+          </a:p>
+          <a:p>
+            <a:r>
+              <a:rPr lang="en-US" sz="2400" b="1" dirty="0">
+                <a:solidFill>
+                  <a:schemeClr val="tx1"/>
+                </a:solidFill>
+                <a:latin typeface="+mn-lt"/>
+                <a:ea typeface="Inter"/>
+                <a:sym typeface="Inter"/>
+              </a:rPr>
+              <a:t>Limitations/Future work:</a:t>
+            </a:r>
+          </a:p>
+          <a:p>
+            <a:endParaRPr lang="en-US" sz="2400" b="1" dirty="0">
+              <a:solidFill>
+                <a:schemeClr val="tx1"/>
+              </a:solidFill>
+              <a:latin typeface="+mn-lt"/>
+              <a:ea typeface="Inter"/>
+              <a:sym typeface="Inter"/>
+            </a:endParaRPr>
+          </a:p>
+          <a:p>
+            <a:pPr marL="342900" indent="-342900">
+              <a:buFont typeface="Arial" panose="020B0604020202020204" pitchFamily="34" charset="0"/>
+              <a:buChar char="•"/>
+            </a:pPr>
+            <a:r>
+              <a:rPr lang="en-US" sz="2400" dirty="0">
+                <a:solidFill>
+                  <a:schemeClr val="tx1"/>
+                </a:solidFill>
+                <a:latin typeface="+mn-lt"/>
+                <a:ea typeface="Inter"/>
+                <a:sym typeface="Inter"/>
+              </a:rPr>
+              <a:t>Scale to cloud-based storage</a:t>
+            </a:r>
+          </a:p>
+          <a:p>
+            <a:pPr marL="342900" indent="-342900">
+              <a:buFont typeface="Arial" panose="020B0604020202020204" pitchFamily="34" charset="0"/>
+              <a:buChar char="•"/>
+            </a:pPr>
+            <a:r>
+              <a:rPr lang="en-US" sz="2400" dirty="0">
+                <a:solidFill>
+                  <a:schemeClr val="tx1"/>
+                </a:solidFill>
+                <a:latin typeface="+mn-lt"/>
+                <a:ea typeface="Inter"/>
+                <a:sym typeface="Inter"/>
+              </a:rPr>
+              <a:t>Enable real-time API</a:t>
+            </a:r>
+          </a:p>
+          <a:p>
+            <a:pPr marL="342900" indent="-342900">
+              <a:buFont typeface="Arial" panose="020B0604020202020204" pitchFamily="34" charset="0"/>
+              <a:buChar char="•"/>
+            </a:pPr>
+            <a:r>
+              <a:rPr lang="en-US" sz="2400" dirty="0">
+                <a:solidFill>
+                  <a:schemeClr val="tx1"/>
+                </a:solidFill>
+                <a:latin typeface="+mn-lt"/>
+                <a:ea typeface="Inter"/>
+                <a:sym typeface="Inter"/>
+              </a:rPr>
+              <a:t>Multi-channel sales data (online or in-store)</a:t>
+            </a:r>
+          </a:p>
+          <a:p>
+            <a:pPr marL="342900" indent="-342900">
+              <a:buFont typeface="Arial" panose="020B0604020202020204" pitchFamily="34" charset="0"/>
+              <a:buChar char="•"/>
+            </a:pPr>
+            <a:endParaRPr lang="en-US" sz="2400" dirty="0">
+              <a:solidFill>
+                <a:schemeClr val="tx1"/>
+              </a:solidFill>
+              <a:latin typeface="+mn-lt"/>
+              <a:ea typeface="Inter"/>
+              <a:sym typeface="Inter"/>
+            </a:endParaRPr>
+          </a:p>
+        </p:txBody>
+      </p:sp>
     </p:spTree>
     <p:extLst>
       <p:ext uri="{BB962C8B-B14F-4D97-AF65-F5344CB8AC3E}">
         <p14:creationId xmlns:p14="http://schemas.microsoft.com/office/powerpoint/2010/main" val="346614152"/>
       </p:ext>
     </p:extLst>
-  </p:cSld>
-  <p:clrMapOvr>
-    <a:masterClrMapping/>
-  </p:clrMapOvr>
-  <p:transition>
-    <p:push/>
-  </p:transition>
-</p:sld>
-</file>
-
-<file path=ppt/slides/slide9.xml><?xml version="1.0" encoding="utf-8"?>
-<p:sld xmlns:a="http://schemas.openxmlformats.org/drawingml/2006/main" xmlns:r="http://schemas.openxmlformats.org/officeDocument/2006/relationships" xmlns:p="http://schemas.openxmlformats.org/presentationml/2006/main">
-  <p:cSld>
-    <p:bg>
-      <p:bgPr>
-        <a:solidFill>
-          <a:srgbClr val="05041D"/>
-        </a:solidFill>
-        <a:effectLst/>
-      </p:bgPr>
-    </p:bg>
-    <p:spTree>
-      <p:nvGrpSpPr>
-        <p:cNvPr id="1" name="Shape 165"/>
-        <p:cNvGrpSpPr/>
-        <p:nvPr/>
-      </p:nvGrpSpPr>
-      <p:grpSpPr>
-        <a:xfrm>
-          <a:off x="0" y="0"/>
-          <a:ext cx="0" cy="0"/>
-          <a:chOff x="0" y="0"/>
-          <a:chExt cx="0" cy="0"/>
-        </a:xfrm>
-      </p:grpSpPr>
-      <p:pic>
-        <p:nvPicPr>
-          <p:cNvPr id="166" name="Google Shape;166;p15"/>
-          <p:cNvPicPr preferRelativeResize="0"/>
-          <p:nvPr/>
-        </p:nvPicPr>
-        <p:blipFill>
-          <a:blip r:embed="rId3">
-            <a:alphaModFix/>
-          </a:blip>
-          <a:stretch>
-            <a:fillRect/>
-          </a:stretch>
-        </p:blipFill>
-        <p:spPr>
-          <a:xfrm>
-            <a:off x="670574" y="-1904391"/>
-            <a:ext cx="16946852" cy="16847554"/>
-          </a:xfrm>
-          <a:prstGeom prst="rect">
-            <a:avLst/>
-          </a:prstGeom>
-          <a:noFill/>
-          <a:ln>
-            <a:noFill/>
-          </a:ln>
-        </p:spPr>
-      </p:pic>
-      <p:sp>
-        <p:nvSpPr>
-          <p:cNvPr id="167" name="Google Shape;167;p15"/>
-          <p:cNvSpPr txBox="1"/>
-          <p:nvPr/>
-        </p:nvSpPr>
-        <p:spPr>
-          <a:xfrm>
-            <a:off x="1028700" y="4303395"/>
-            <a:ext cx="16230600" cy="2215991"/>
-          </a:xfrm>
-          <a:prstGeom prst="rect">
-            <a:avLst/>
-          </a:prstGeom>
-          <a:noFill/>
-          <a:ln>
-            <a:noFill/>
-          </a:ln>
-        </p:spPr>
-        <p:txBody>
-          <a:bodyPr spcFirstLastPara="1" wrap="square" lIns="0" tIns="0" rIns="0" bIns="0" anchor="t" anchorCtr="0">
-            <a:spAutoFit/>
-          </a:bodyPr>
-          <a:lstStyle/>
-          <a:p>
-            <a:pPr marL="0" marR="0" lvl="0" indent="0" algn="ctr" rtl="0">
-              <a:lnSpc>
-                <a:spcPct val="100000"/>
-              </a:lnSpc>
-              <a:spcBef>
-                <a:spcPts val="0"/>
-              </a:spcBef>
-              <a:spcAft>
-                <a:spcPts val="0"/>
-              </a:spcAft>
-              <a:buNone/>
-            </a:pPr>
-            <a:r>
-              <a:rPr lang="en-US" sz="14400" b="1" dirty="0">
-                <a:solidFill>
-                  <a:srgbClr val="FAF0CA"/>
-                </a:solidFill>
-                <a:latin typeface="Inter"/>
-                <a:ea typeface="Inter"/>
-                <a:sym typeface="Inter"/>
-              </a:rPr>
-              <a:t>THANK YOU</a:t>
-            </a:r>
-            <a:endParaRPr dirty="0"/>
-          </a:p>
-        </p:txBody>
-      </p:sp>
-    </p:spTree>
   </p:cSld>
   <p:clrMapOvr>
     <a:masterClrMapping/>
@@ -11570,4 +12412,10 @@
   <we:bindings/>
   <we:snapshot xmlns:r="http://schemas.openxmlformats.org/officeDocument/2006/relationships"/>
 </we:webextension>
+</file>
+
+<file path=docMetadata/LabelInfo.xml><?xml version="1.0" encoding="utf-8"?>
+<clbl:labelList xmlns:clbl="http://schemas.microsoft.com/office/2020/mipLabelMetadata">
+  <clbl:label id="{a8eec281-aaa3-4dae-ac9b-9a398b9215e7}" enabled="0" method="" siteId="{a8eec281-aaa3-4dae-ac9b-9a398b9215e7}" removed="1"/>
+</clbl:labelList>
 </file>
--- a/Final Presenation DS5110.pptx
+++ b/Final Presenation DS5110.pptx
@@ -5,27 +5,26 @@
     <p:sldMasterId id="2147483655" r:id="rId1"/>
   </p:sldMasterIdLst>
   <p:notesMasterIdLst>
-    <p:notesMasterId r:id="rId12"/>
+    <p:notesMasterId r:id="rId11"/>
   </p:notesMasterIdLst>
   <p:sldIdLst>
     <p:sldId id="256" r:id="rId2"/>
     <p:sldId id="275" r:id="rId3"/>
     <p:sldId id="276" r:id="rId4"/>
     <p:sldId id="267" r:id="rId5"/>
-    <p:sldId id="277" r:id="rId6"/>
-    <p:sldId id="266" r:id="rId7"/>
-    <p:sldId id="268" r:id="rId8"/>
-    <p:sldId id="273" r:id="rId9"/>
-    <p:sldId id="269" r:id="rId10"/>
-    <p:sldId id="262" r:id="rId11"/>
+    <p:sldId id="266" r:id="rId6"/>
+    <p:sldId id="268" r:id="rId7"/>
+    <p:sldId id="273" r:id="rId8"/>
+    <p:sldId id="269" r:id="rId9"/>
+    <p:sldId id="262" r:id="rId10"/>
   </p:sldIdLst>
   <p:sldSz cx="18288000" cy="10287000"/>
   <p:notesSz cx="6858000" cy="9144000"/>
   <p:embeddedFontLst>
     <p:embeddedFont>
       <p:font typeface="Inter" panose="02000503000000020004" pitchFamily="2" charset="0"/>
-      <p:regular r:id="rId13"/>
-      <p:bold r:id="rId14"/>
+      <p:regular r:id="rId12"/>
+      <p:bold r:id="rId13"/>
     </p:embeddedFont>
   </p:embeddedFontLst>
   <p:defaultTextStyle>
@@ -282,7 +281,7 @@
     <p1510:client id="{1B170A3A-6631-B73F-3771-674399FCC3F5}" v="70" dt="2024-12-04T00:37:15.184"/>
     <p1510:client id="{A4EC6AF2-8335-027D-FC2D-5914F67FA66A}" v="29" dt="2024-12-04T00:37:39.259"/>
     <p1510:client id="{D56B6177-3612-3F49-22AC-00851ADFF0B2}" v="64" dt="2024-12-03T22:03:16.223"/>
-    <p1510:client id="{DC6F003F-ED69-7548-8E9E-53DC8D6D8B6E}" v="1812" dt="2024-12-04T00:41:07.146"/>
+    <p1510:client id="{DC6F003F-ED69-7548-8E9E-53DC8D6D8B6E}" v="1813" dt="2024-12-04T00:46:57.824"/>
   </p1510:revLst>
 </p1510:revInfo>
 </file>
@@ -832,110 +831,6 @@
 </p:notes>
 </file>
 
-<file path=ppt/notesSlides/notesSlide10.xml><?xml version="1.0" encoding="utf-8"?>
-<p:notes xmlns:a="http://schemas.openxmlformats.org/drawingml/2006/main" xmlns:r="http://schemas.openxmlformats.org/officeDocument/2006/relationships" xmlns:p="http://schemas.openxmlformats.org/presentationml/2006/main" showMasterSp="0" showMasterPhAnim="0">
-  <p:cSld>
-    <p:spTree>
-      <p:nvGrpSpPr>
-        <p:cNvPr id="1" name="Shape 162"/>
-        <p:cNvGrpSpPr/>
-        <p:nvPr/>
-      </p:nvGrpSpPr>
-      <p:grpSpPr>
-        <a:xfrm>
-          <a:off x="0" y="0"/>
-          <a:ext cx="0" cy="0"/>
-          <a:chOff x="0" y="0"/>
-          <a:chExt cx="0" cy="0"/>
-        </a:xfrm>
-      </p:grpSpPr>
-      <p:sp>
-        <p:nvSpPr>
-          <p:cNvPr id="163" name="Google Shape;163;p7:notes"/>
-          <p:cNvSpPr txBox="1">
-            <a:spLocks noGrp="1"/>
-          </p:cNvSpPr>
-          <p:nvPr>
-            <p:ph type="body" idx="1"/>
-          </p:nvPr>
-        </p:nvSpPr>
-        <p:spPr>
-          <a:xfrm>
-            <a:off x="685800" y="4343400"/>
-            <a:ext cx="5486400" cy="4114800"/>
-          </a:xfrm>
-          <a:prstGeom prst="rect">
-            <a:avLst/>
-          </a:prstGeom>
-        </p:spPr>
-        <p:txBody>
-          <a:bodyPr spcFirstLastPara="1" wrap="square" lIns="91425" tIns="91425" rIns="91425" bIns="91425" anchor="t" anchorCtr="0">
-            <a:noAutofit/>
-          </a:bodyPr>
-          <a:lstStyle/>
-          <a:p>
-            <a:pPr marL="0" lvl="0" indent="0" algn="l" rtl="0">
-              <a:spcBef>
-                <a:spcPts val="0"/>
-              </a:spcBef>
-              <a:spcAft>
-                <a:spcPts val="0"/>
-              </a:spcAft>
-              <a:buNone/>
-            </a:pPr>
-            <a:endParaRPr/>
-          </a:p>
-        </p:txBody>
-      </p:sp>
-      <p:sp>
-        <p:nvSpPr>
-          <p:cNvPr id="164" name="Google Shape;164;p7:notes"/>
-          <p:cNvSpPr>
-            <a:spLocks noGrp="1" noRot="1" noChangeAspect="1"/>
-          </p:cNvSpPr>
-          <p:nvPr>
-            <p:ph type="sldImg" idx="2"/>
-          </p:nvPr>
-        </p:nvSpPr>
-        <p:spPr>
-          <a:xfrm>
-            <a:off x="381000" y="685800"/>
-            <a:ext cx="6096000" cy="3429000"/>
-          </a:xfrm>
-          <a:custGeom>
-            <a:avLst/>
-            <a:gdLst/>
-            <a:ahLst/>
-            <a:cxnLst/>
-            <a:rect l="l" t="t" r="r" b="b"/>
-            <a:pathLst>
-              <a:path w="120000" h="120000" extrusionOk="0">
-                <a:moveTo>
-                  <a:pt x="0" y="0"/>
-                </a:moveTo>
-                <a:lnTo>
-                  <a:pt x="120000" y="0"/>
-                </a:lnTo>
-                <a:lnTo>
-                  <a:pt x="120000" y="120000"/>
-                </a:lnTo>
-                <a:lnTo>
-                  <a:pt x="0" y="120000"/>
-                </a:lnTo>
-                <a:close/>
-              </a:path>
-            </a:pathLst>
-          </a:custGeom>
-        </p:spPr>
-      </p:sp>
-    </p:spTree>
-  </p:cSld>
-  <p:clrMapOvr>
-    <a:masterClrMapping/>
-  </p:clrMapOvr>
-</p:notes>
-</file>
-
 <file path=ppt/notesSlides/notesSlide2.xml><?xml version="1.0" encoding="utf-8"?>
 <p:notes xmlns:a="http://schemas.openxmlformats.org/drawingml/2006/main" xmlns:r="http://schemas.openxmlformats.org/officeDocument/2006/relationships" xmlns:p="http://schemas.openxmlformats.org/presentationml/2006/main" showMasterSp="0" showMasterPhAnim="0">
   <p:cSld>
@@ -1299,133 +1194,6 @@
   <p:cSld>
     <p:spTree>
       <p:nvGrpSpPr>
-        <p:cNvPr id="1" name="Shape 263">
-          <a:extLst>
-            <a:ext uri="{FF2B5EF4-FFF2-40B4-BE49-F238E27FC236}">
-              <a16:creationId xmlns:a16="http://schemas.microsoft.com/office/drawing/2014/main" id="{82248B30-E1C8-5A05-9A49-0510530C2F24}"/>
-            </a:ext>
-          </a:extLst>
-        </p:cNvPr>
-        <p:cNvGrpSpPr/>
-        <p:nvPr/>
-      </p:nvGrpSpPr>
-      <p:grpSpPr>
-        <a:xfrm>
-          <a:off x="0" y="0"/>
-          <a:ext cx="0" cy="0"/>
-          <a:chOff x="0" y="0"/>
-          <a:chExt cx="0" cy="0"/>
-        </a:xfrm>
-      </p:grpSpPr>
-      <p:sp>
-        <p:nvSpPr>
-          <p:cNvPr id="264" name="Google Shape;264;p14:notes">
-            <a:extLst>
-              <a:ext uri="{FF2B5EF4-FFF2-40B4-BE49-F238E27FC236}">
-                <a16:creationId xmlns:a16="http://schemas.microsoft.com/office/drawing/2014/main" id="{CA1F3A30-C3DE-604A-3BB3-D28D7142F45E}"/>
-              </a:ext>
-            </a:extLst>
-          </p:cNvPr>
-          <p:cNvSpPr txBox="1">
-            <a:spLocks noGrp="1"/>
-          </p:cNvSpPr>
-          <p:nvPr>
-            <p:ph type="body" idx="1"/>
-          </p:nvPr>
-        </p:nvSpPr>
-        <p:spPr>
-          <a:xfrm>
-            <a:off x="685800" y="4343400"/>
-            <a:ext cx="5486400" cy="4114800"/>
-          </a:xfrm>
-          <a:prstGeom prst="rect">
-            <a:avLst/>
-          </a:prstGeom>
-        </p:spPr>
-        <p:txBody>
-          <a:bodyPr spcFirstLastPara="1" wrap="square" lIns="91425" tIns="91425" rIns="91425" bIns="91425" anchor="t" anchorCtr="0">
-            <a:noAutofit/>
-          </a:bodyPr>
-          <a:lstStyle/>
-          <a:p>
-            <a:pPr marL="0" lvl="0" indent="0" algn="l" rtl="0">
-              <a:spcBef>
-                <a:spcPts val="0"/>
-              </a:spcBef>
-              <a:spcAft>
-                <a:spcPts val="0"/>
-              </a:spcAft>
-              <a:buNone/>
-            </a:pPr>
-            <a:endParaRPr/>
-          </a:p>
-        </p:txBody>
-      </p:sp>
-      <p:sp>
-        <p:nvSpPr>
-          <p:cNvPr id="265" name="Google Shape;265;p14:notes">
-            <a:extLst>
-              <a:ext uri="{FF2B5EF4-FFF2-40B4-BE49-F238E27FC236}">
-                <a16:creationId xmlns:a16="http://schemas.microsoft.com/office/drawing/2014/main" id="{762563D0-9E65-4656-1895-498ACC79DA3C}"/>
-              </a:ext>
-            </a:extLst>
-          </p:cNvPr>
-          <p:cNvSpPr>
-            <a:spLocks noGrp="1" noRot="1" noChangeAspect="1"/>
-          </p:cNvSpPr>
-          <p:nvPr>
-            <p:ph type="sldImg" idx="2"/>
-          </p:nvPr>
-        </p:nvSpPr>
-        <p:spPr>
-          <a:xfrm>
-            <a:off x="381000" y="685800"/>
-            <a:ext cx="6096000" cy="3429000"/>
-          </a:xfrm>
-          <a:custGeom>
-            <a:avLst/>
-            <a:gdLst/>
-            <a:ahLst/>
-            <a:cxnLst/>
-            <a:rect l="l" t="t" r="r" b="b"/>
-            <a:pathLst>
-              <a:path w="120000" h="120000" extrusionOk="0">
-                <a:moveTo>
-                  <a:pt x="0" y="0"/>
-                </a:moveTo>
-                <a:lnTo>
-                  <a:pt x="120000" y="0"/>
-                </a:lnTo>
-                <a:lnTo>
-                  <a:pt x="120000" y="120000"/>
-                </a:lnTo>
-                <a:lnTo>
-                  <a:pt x="0" y="120000"/>
-                </a:lnTo>
-                <a:close/>
-              </a:path>
-            </a:pathLst>
-          </a:custGeom>
-        </p:spPr>
-      </p:sp>
-    </p:spTree>
-    <p:extLst>
-      <p:ext uri="{BB962C8B-B14F-4D97-AF65-F5344CB8AC3E}">
-        <p14:creationId xmlns:p14="http://schemas.microsoft.com/office/powerpoint/2010/main" val="3816607478"/>
-      </p:ext>
-    </p:extLst>
-  </p:cSld>
-  <p:clrMapOvr>
-    <a:masterClrMapping/>
-  </p:clrMapOvr>
-</p:notes>
-</file>
-
-<file path=ppt/notesSlides/notesSlide6.xml><?xml version="1.0" encoding="utf-8"?>
-<p:notes xmlns:a="http://schemas.openxmlformats.org/drawingml/2006/main" xmlns:r="http://schemas.openxmlformats.org/officeDocument/2006/relationships" xmlns:p="http://schemas.openxmlformats.org/presentationml/2006/main" showMasterSp="0" showMasterPhAnim="0">
-  <p:cSld>
-    <p:spTree>
-      <p:nvGrpSpPr>
         <p:cNvPr id="1" name="Shape 223"/>
         <p:cNvGrpSpPr/>
         <p:nvPr/>
@@ -1525,7 +1293,7 @@
 </p:notes>
 </file>
 
-<file path=ppt/notesSlides/notesSlide7.xml><?xml version="1.0" encoding="utf-8"?>
+<file path=ppt/notesSlides/notesSlide6.xml><?xml version="1.0" encoding="utf-8"?>
 <p:notes xmlns:a="http://schemas.openxmlformats.org/drawingml/2006/main" xmlns:r="http://schemas.openxmlformats.org/officeDocument/2006/relationships" xmlns:p="http://schemas.openxmlformats.org/presentationml/2006/main" showMasterSp="0" showMasterPhAnim="0">
   <p:cSld>
     <p:spTree>
@@ -1629,7 +1397,7 @@
 </p:notes>
 </file>
 
-<file path=ppt/notesSlides/notesSlide8.xml><?xml version="1.0" encoding="utf-8"?>
+<file path=ppt/notesSlides/notesSlide7.xml><?xml version="1.0" encoding="utf-8"?>
 <p:notes xmlns:a="http://schemas.openxmlformats.org/drawingml/2006/main" xmlns:r="http://schemas.openxmlformats.org/officeDocument/2006/relationships" xmlns:p="http://schemas.openxmlformats.org/presentationml/2006/main" showMasterSp="0" showMasterPhAnim="0">
   <p:cSld>
     <p:spTree>
@@ -1756,7 +1524,7 @@
 </p:notes>
 </file>
 
-<file path=ppt/notesSlides/notesSlide9.xml><?xml version="1.0" encoding="utf-8"?>
+<file path=ppt/notesSlides/notesSlide8.xml><?xml version="1.0" encoding="utf-8"?>
 <p:notes xmlns:a="http://schemas.openxmlformats.org/drawingml/2006/main" xmlns:r="http://schemas.openxmlformats.org/officeDocument/2006/relationships" xmlns:p="http://schemas.openxmlformats.org/presentationml/2006/main" showMasterSp="0" showMasterPhAnim="0">
   <p:cSld>
     <p:spTree>
@@ -1876,6 +1644,110 @@
         <p14:creationId xmlns:p14="http://schemas.microsoft.com/office/powerpoint/2010/main" val="1265822436"/>
       </p:ext>
     </p:extLst>
+  </p:cSld>
+  <p:clrMapOvr>
+    <a:masterClrMapping/>
+  </p:clrMapOvr>
+</p:notes>
+</file>
+
+<file path=ppt/notesSlides/notesSlide9.xml><?xml version="1.0" encoding="utf-8"?>
+<p:notes xmlns:a="http://schemas.openxmlformats.org/drawingml/2006/main" xmlns:r="http://schemas.openxmlformats.org/officeDocument/2006/relationships" xmlns:p="http://schemas.openxmlformats.org/presentationml/2006/main" showMasterSp="0" showMasterPhAnim="0">
+  <p:cSld>
+    <p:spTree>
+      <p:nvGrpSpPr>
+        <p:cNvPr id="1" name="Shape 162"/>
+        <p:cNvGrpSpPr/>
+        <p:nvPr/>
+      </p:nvGrpSpPr>
+      <p:grpSpPr>
+        <a:xfrm>
+          <a:off x="0" y="0"/>
+          <a:ext cx="0" cy="0"/>
+          <a:chOff x="0" y="0"/>
+          <a:chExt cx="0" cy="0"/>
+        </a:xfrm>
+      </p:grpSpPr>
+      <p:sp>
+        <p:nvSpPr>
+          <p:cNvPr id="163" name="Google Shape;163;p7:notes"/>
+          <p:cNvSpPr txBox="1">
+            <a:spLocks noGrp="1"/>
+          </p:cNvSpPr>
+          <p:nvPr>
+            <p:ph type="body" idx="1"/>
+          </p:nvPr>
+        </p:nvSpPr>
+        <p:spPr>
+          <a:xfrm>
+            <a:off x="685800" y="4343400"/>
+            <a:ext cx="5486400" cy="4114800"/>
+          </a:xfrm>
+          <a:prstGeom prst="rect">
+            <a:avLst/>
+          </a:prstGeom>
+        </p:spPr>
+        <p:txBody>
+          <a:bodyPr spcFirstLastPara="1" wrap="square" lIns="91425" tIns="91425" rIns="91425" bIns="91425" anchor="t" anchorCtr="0">
+            <a:noAutofit/>
+          </a:bodyPr>
+          <a:lstStyle/>
+          <a:p>
+            <a:pPr marL="0" lvl="0" indent="0" algn="l" rtl="0">
+              <a:spcBef>
+                <a:spcPts val="0"/>
+              </a:spcBef>
+              <a:spcAft>
+                <a:spcPts val="0"/>
+              </a:spcAft>
+              <a:buNone/>
+            </a:pPr>
+            <a:endParaRPr/>
+          </a:p>
+        </p:txBody>
+      </p:sp>
+      <p:sp>
+        <p:nvSpPr>
+          <p:cNvPr id="164" name="Google Shape;164;p7:notes"/>
+          <p:cNvSpPr>
+            <a:spLocks noGrp="1" noRot="1" noChangeAspect="1"/>
+          </p:cNvSpPr>
+          <p:nvPr>
+            <p:ph type="sldImg" idx="2"/>
+          </p:nvPr>
+        </p:nvSpPr>
+        <p:spPr>
+          <a:xfrm>
+            <a:off x="381000" y="685800"/>
+            <a:ext cx="6096000" cy="3429000"/>
+          </a:xfrm>
+          <a:custGeom>
+            <a:avLst/>
+            <a:gdLst/>
+            <a:ahLst/>
+            <a:cxnLst/>
+            <a:rect l="l" t="t" r="r" b="b"/>
+            <a:pathLst>
+              <a:path w="120000" h="120000" extrusionOk="0">
+                <a:moveTo>
+                  <a:pt x="0" y="0"/>
+                </a:moveTo>
+                <a:lnTo>
+                  <a:pt x="120000" y="0"/>
+                </a:lnTo>
+                <a:lnTo>
+                  <a:pt x="120000" y="120000"/>
+                </a:lnTo>
+                <a:lnTo>
+                  <a:pt x="0" y="120000"/>
+                </a:lnTo>
+                <a:close/>
+              </a:path>
+            </a:pathLst>
+          </a:custGeom>
+        </p:spPr>
+      </p:sp>
+    </p:spTree>
   </p:cSld>
   <p:clrMapOvr>
     <a:masterClrMapping/>
@@ -9715,122 +9587,6 @@
 </p:sld>
 </file>
 
-<file path=ppt/slides/slide10.xml><?xml version="1.0" encoding="utf-8"?>
-<p:sld xmlns:a="http://schemas.openxmlformats.org/drawingml/2006/main" xmlns:r="http://schemas.openxmlformats.org/officeDocument/2006/relationships" xmlns:p="http://schemas.openxmlformats.org/presentationml/2006/main">
-  <p:cSld>
-    <p:bg>
-      <p:bgPr>
-        <a:solidFill>
-          <a:srgbClr val="05041D"/>
-        </a:solidFill>
-        <a:effectLst/>
-      </p:bgPr>
-    </p:bg>
-    <p:spTree>
-      <p:nvGrpSpPr>
-        <p:cNvPr id="1" name="Shape 165"/>
-        <p:cNvGrpSpPr/>
-        <p:nvPr/>
-      </p:nvGrpSpPr>
-      <p:grpSpPr>
-        <a:xfrm>
-          <a:off x="0" y="0"/>
-          <a:ext cx="0" cy="0"/>
-          <a:chOff x="0" y="0"/>
-          <a:chExt cx="0" cy="0"/>
-        </a:xfrm>
-      </p:grpSpPr>
-      <p:pic>
-        <p:nvPicPr>
-          <p:cNvPr id="166" name="Google Shape;166;p15"/>
-          <p:cNvPicPr preferRelativeResize="0"/>
-          <p:nvPr/>
-        </p:nvPicPr>
-        <p:blipFill>
-          <a:blip r:embed="rId3">
-            <a:alphaModFix/>
-          </a:blip>
-          <a:stretch>
-            <a:fillRect/>
-          </a:stretch>
-        </p:blipFill>
-        <p:spPr>
-          <a:xfrm>
-            <a:off x="670574" y="-1904391"/>
-            <a:ext cx="16946852" cy="16847554"/>
-          </a:xfrm>
-          <a:prstGeom prst="rect">
-            <a:avLst/>
-          </a:prstGeom>
-          <a:noFill/>
-          <a:ln>
-            <a:noFill/>
-          </a:ln>
-        </p:spPr>
-      </p:pic>
-      <p:sp>
-        <p:nvSpPr>
-          <p:cNvPr id="167" name="Google Shape;167;p15"/>
-          <p:cNvSpPr txBox="1"/>
-          <p:nvPr/>
-        </p:nvSpPr>
-        <p:spPr>
-          <a:xfrm>
-            <a:off x="1028700" y="4303395"/>
-            <a:ext cx="16230600" cy="2215991"/>
-          </a:xfrm>
-          <a:prstGeom prst="rect">
-            <a:avLst/>
-          </a:prstGeom>
-          <a:noFill/>
-          <a:ln>
-            <a:noFill/>
-          </a:ln>
-        </p:spPr>
-        <p:txBody>
-          <a:bodyPr spcFirstLastPara="1" wrap="square" lIns="0" tIns="0" rIns="0" bIns="0" anchor="t" anchorCtr="0">
-            <a:spAutoFit/>
-          </a:bodyPr>
-          <a:lstStyle/>
-          <a:p>
-            <a:pPr marL="0" marR="0" lvl="0" indent="0" algn="ctr" rtl="0">
-              <a:lnSpc>
-                <a:spcPct val="100000"/>
-              </a:lnSpc>
-              <a:spcBef>
-                <a:spcPts val="0"/>
-              </a:spcBef>
-              <a:spcAft>
-                <a:spcPts val="0"/>
-              </a:spcAft>
-              <a:buNone/>
-            </a:pPr>
-            <a:r>
-              <a:rPr lang="en-US" sz="14400" b="1">
-                <a:solidFill>
-                  <a:srgbClr val="FAF0CA"/>
-                </a:solidFill>
-                <a:latin typeface="Inter"/>
-                <a:ea typeface="Inter"/>
-                <a:sym typeface="Inter"/>
-              </a:rPr>
-              <a:t>THANK YOU</a:t>
-            </a:r>
-            <a:endParaRPr/>
-          </a:p>
-        </p:txBody>
-      </p:sp>
-    </p:spTree>
-  </p:cSld>
-  <p:clrMapOvr>
-    <a:masterClrMapping/>
-  </p:clrMapOvr>
-  <p:transition>
-    <p:push/>
-  </p:transition>
-</p:sld>
-</file>
-
 <file path=ppt/slides/slide2.xml><?xml version="1.0" encoding="utf-8"?>
 <p:sld xmlns:a="http://schemas.openxmlformats.org/drawingml/2006/main" xmlns:r="http://schemas.openxmlformats.org/officeDocument/2006/relationships" xmlns:p="http://schemas.openxmlformats.org/presentationml/2006/main">
   <p:cSld>
@@ -9955,22 +9711,22 @@
               <a:buFont typeface=""/>
               <a:buChar char="•"/>
             </a:pPr>
-            <a:endParaRPr lang="en-US" sz="2400" b="1" dirty="0"/>
+            <a:endParaRPr lang="en-US" sz="2400" b="1"/>
           </a:p>
           <a:p>
             <a:pPr lvl="2"/>
             <a:r>
-              <a:rPr lang="en-US" sz="2400" b="1" dirty="0"/>
+              <a:rPr lang="en-US" sz="2400" b="1"/>
               <a:t>Objective:</a:t>
             </a:r>
             <a:r>
-              <a:rPr lang="en-US" sz="2400" dirty="0"/>
+              <a:rPr lang="en-US" sz="2400"/>
               <a:t> Develop a dashboard to support data-driven decision-making.</a:t>
             </a:r>
           </a:p>
           <a:p>
             <a:pPr lvl="2"/>
-            <a:endParaRPr lang="en-US" sz="2400" dirty="0"/>
+            <a:endParaRPr lang="en-US" sz="2400"/>
           </a:p>
           <a:p>
             <a:pPr marL="342900" lvl="6" indent="-342900">
@@ -9978,7 +9734,7 @@
               <a:buChar char="•"/>
             </a:pPr>
             <a:r>
-              <a:rPr lang="en-US" sz="2400" dirty="0"/>
+              <a:rPr lang="en-US" sz="2400"/>
               <a:t>Customer behavior</a:t>
             </a:r>
           </a:p>
@@ -9988,7 +9744,7 @@
               <a:buChar char="•"/>
             </a:pPr>
             <a:r>
-              <a:rPr lang="en-US" sz="2400" dirty="0"/>
+              <a:rPr lang="en-US" sz="2400"/>
               <a:t>Sales trends</a:t>
             </a:r>
           </a:p>
@@ -9998,7 +9754,7 @@
               <a:buChar char="•"/>
             </a:pPr>
             <a:r>
-              <a:rPr lang="en-US" sz="2400" dirty="0"/>
+              <a:rPr lang="en-US" sz="2400"/>
               <a:t>Demographics</a:t>
             </a:r>
           </a:p>
@@ -10007,16 +9763,16 @@
               <a:buFont typeface=""/>
               <a:buChar char="•"/>
             </a:pPr>
-            <a:endParaRPr lang="en-US" sz="2400" b="1" dirty="0"/>
+            <a:endParaRPr lang="en-US" sz="2400" b="1"/>
           </a:p>
           <a:p>
             <a:r>
-              <a:rPr lang="en-US" sz="2400" b="1" dirty="0"/>
+              <a:rPr lang="en-US" sz="2400" b="1"/>
               <a:t>Scope:</a:t>
             </a:r>
           </a:p>
           <a:p>
-            <a:endParaRPr lang="en-US" sz="2400" b="1" dirty="0"/>
+            <a:endParaRPr lang="en-US" sz="2400" b="1"/>
           </a:p>
           <a:p>
             <a:pPr marL="342900" indent="-342900">
@@ -10024,7 +9780,7 @@
               <a:buChar char="•"/>
             </a:pPr>
             <a:r>
-              <a:rPr lang="en-US" sz="2400" dirty="0"/>
+              <a:rPr lang="en-US" sz="2400"/>
               <a:t>Data collection and processing (sales, customer demographics, holiday trends)</a:t>
             </a:r>
           </a:p>
@@ -10034,7 +9790,7 @@
               <a:buChar char="•"/>
             </a:pPr>
             <a:r>
-              <a:rPr lang="en-US" sz="2400" dirty="0"/>
+              <a:rPr lang="en-US" sz="2400"/>
               <a:t>Pipeline &amp; database design (robust ETL pipeline, scalable database scheme)</a:t>
             </a:r>
           </a:p>
@@ -10044,7 +9800,7 @@
               <a:buChar char="•"/>
             </a:pPr>
             <a:r>
-              <a:rPr lang="en-US" sz="2400" dirty="0"/>
+              <a:rPr lang="en-US" sz="2400"/>
               <a:t>Dashboard development (intuitive and interactive dashboard with user friendly design)</a:t>
             </a:r>
           </a:p>
@@ -10054,21 +9810,21 @@
               <a:buChar char="•"/>
             </a:pPr>
             <a:r>
-              <a:rPr lang="en-US" sz="2400" dirty="0"/>
+              <a:rPr lang="en-US" sz="2400"/>
               <a:t>Trend visualizations (seasonal patterns, customer preferences, geographical distribution) </a:t>
             </a:r>
           </a:p>
           <a:p>
-            <a:endParaRPr lang="en-US" sz="2400" b="1" dirty="0"/>
+            <a:endParaRPr lang="en-US" sz="2400" b="1"/>
           </a:p>
           <a:p>
             <a:r>
-              <a:rPr lang="en-US" sz="2400" b="1" dirty="0"/>
+              <a:rPr lang="en-US" sz="2400" b="1"/>
               <a:t>Key Features:</a:t>
             </a:r>
           </a:p>
           <a:p>
-            <a:endParaRPr lang="en-US" sz="2400" b="1" dirty="0"/>
+            <a:endParaRPr lang="en-US" sz="2400" b="1"/>
           </a:p>
           <a:p>
             <a:pPr marL="342900" indent="-342900">
@@ -10076,7 +9832,7 @@
               <a:buChar char="•"/>
             </a:pPr>
             <a:r>
-              <a:rPr lang="en-US" sz="2400" dirty="0"/>
+              <a:rPr lang="en-US" sz="2400"/>
               <a:t>Sales analysis (find high-performing products and regions)</a:t>
             </a:r>
           </a:p>
@@ -10086,7 +9842,7 @@
               <a:buChar char="•"/>
             </a:pPr>
             <a:r>
-              <a:rPr lang="en-US" sz="2400" dirty="0"/>
+              <a:rPr lang="en-US" sz="2400"/>
               <a:t>Holiday insights (highlight holiday sales spikes)</a:t>
             </a:r>
           </a:p>
@@ -10096,7 +9852,7 @@
               <a:buChar char="•"/>
             </a:pPr>
             <a:r>
-              <a:rPr lang="en-US" sz="2400" dirty="0"/>
+              <a:rPr lang="en-US" sz="2400"/>
               <a:t>Geographical mapping (pinpoint customer density and geographical trends)</a:t>
             </a:r>
           </a:p>
@@ -10106,7 +9862,7 @@
               <a:buChar char="•"/>
             </a:pPr>
             <a:r>
-              <a:rPr lang="en-US" sz="2400" dirty="0"/>
+              <a:rPr lang="en-US" sz="2400"/>
               <a:t>Performance metrics (total revenue, averages)</a:t>
             </a:r>
           </a:p>
@@ -10282,7 +10038,7 @@
           <a:lstStyle/>
           <a:p>
             <a:r>
-              <a:rPr lang="en-US" sz="2400" b="1" dirty="0">
+              <a:rPr lang="en-US" sz="2400" b="1">
                 <a:solidFill>
                   <a:schemeClr val="tx1"/>
                 </a:solidFill>
@@ -10294,7 +10050,7 @@
             </a:r>
           </a:p>
           <a:p>
-            <a:endParaRPr lang="en-US" sz="2400" b="1" dirty="0">
+            <a:endParaRPr lang="en-US" sz="2400" b="1">
               <a:solidFill>
                 <a:schemeClr val="tx1"/>
               </a:solidFill>
@@ -10309,7 +10065,7 @@
               <a:buChar char="•"/>
             </a:pPr>
             <a:r>
-              <a:rPr lang="en-US" sz="2400" dirty="0">
+              <a:rPr lang="en-US" sz="2400">
                 <a:solidFill>
                   <a:schemeClr val="tx1"/>
                 </a:solidFill>
@@ -10326,7 +10082,7 @@
               <a:buChar char="•"/>
             </a:pPr>
             <a:r>
-              <a:rPr lang="en-US" sz="2400" dirty="0">
+              <a:rPr lang="en-US" sz="2400">
                 <a:solidFill>
                   <a:schemeClr val="tx1"/>
                 </a:solidFill>
@@ -10343,7 +10099,7 @@
               <a:buChar char="•"/>
             </a:pPr>
             <a:r>
-              <a:rPr lang="en-US" sz="2400" dirty="0">
+              <a:rPr lang="en-US" sz="2400">
                 <a:solidFill>
                   <a:schemeClr val="tx1"/>
                 </a:solidFill>
@@ -10355,7 +10111,7 @@
             </a:r>
           </a:p>
           <a:p>
-            <a:endParaRPr lang="en-US" sz="2400" dirty="0">
+            <a:endParaRPr lang="en-US" sz="2400">
               <a:solidFill>
                 <a:schemeClr val="tx1"/>
               </a:solidFill>
@@ -10366,7 +10122,7 @@
           </a:p>
           <a:p>
             <a:r>
-              <a:rPr lang="en-US" sz="2400" b="1" dirty="0">
+              <a:rPr lang="en-US" sz="2400" b="1">
                 <a:solidFill>
                   <a:schemeClr val="tx1"/>
                 </a:solidFill>
@@ -10378,7 +10134,7 @@
             </a:r>
           </a:p>
           <a:p>
-            <a:endParaRPr lang="en-US" sz="2400" b="1" dirty="0">
+            <a:endParaRPr lang="en-US" sz="2400" b="1">
               <a:solidFill>
                 <a:schemeClr val="tx1"/>
               </a:solidFill>
@@ -10393,7 +10149,7 @@
               <a:buChar char="•"/>
             </a:pPr>
             <a:r>
-              <a:rPr lang="en-US" sz="2400" dirty="0">
+              <a:rPr lang="en-US" sz="2400">
                 <a:solidFill>
                   <a:schemeClr val="tx1"/>
                 </a:solidFill>
@@ -10410,7 +10166,7 @@
               <a:buChar char="•"/>
             </a:pPr>
             <a:r>
-              <a:rPr lang="en-US" sz="2400" dirty="0">
+              <a:rPr lang="en-US" sz="2400">
                 <a:solidFill>
                   <a:schemeClr val="tx1"/>
                 </a:solidFill>
@@ -10427,7 +10183,7 @@
               <a:buChar char="•"/>
             </a:pPr>
             <a:r>
-              <a:rPr lang="en-US" sz="2400" dirty="0">
+              <a:rPr lang="en-US" sz="2400">
                 <a:solidFill>
                   <a:schemeClr val="tx1"/>
                 </a:solidFill>
@@ -10444,7 +10200,7 @@
               <a:buChar char="•"/>
             </a:pPr>
             <a:r>
-              <a:rPr lang="en-US" sz="2400" dirty="0">
+              <a:rPr lang="en-US" sz="2400">
                 <a:solidFill>
                   <a:schemeClr val="tx1"/>
                 </a:solidFill>
@@ -10456,7 +10212,7 @@
             </a:r>
           </a:p>
           <a:p>
-            <a:endParaRPr lang="en-US" sz="2400" dirty="0">
+            <a:endParaRPr lang="en-US" sz="2400">
               <a:solidFill>
                 <a:schemeClr val="tx1"/>
               </a:solidFill>
@@ -10467,7 +10223,7 @@
           </a:p>
           <a:p>
             <a:r>
-              <a:rPr lang="en-US" sz="2400" b="1" dirty="0">
+              <a:rPr lang="en-US" sz="2400" b="1">
                 <a:solidFill>
                   <a:schemeClr val="tx1"/>
                 </a:solidFill>
@@ -10479,7 +10235,7 @@
             </a:r>
           </a:p>
           <a:p>
-            <a:endParaRPr lang="en-US" sz="2400" b="1" dirty="0">
+            <a:endParaRPr lang="en-US" sz="2400" b="1">
               <a:solidFill>
                 <a:schemeClr val="tx1"/>
               </a:solidFill>
@@ -10494,7 +10250,7 @@
               <a:buChar char="•"/>
             </a:pPr>
             <a:r>
-              <a:rPr lang="en-US" sz="2400" dirty="0">
+              <a:rPr lang="en-US" sz="2400">
                 <a:solidFill>
                   <a:schemeClr val="tx1"/>
                 </a:solidFill>
@@ -10511,7 +10267,7 @@
               <a:buChar char="•"/>
             </a:pPr>
             <a:r>
-              <a:rPr lang="en-US" sz="2400" dirty="0">
+              <a:rPr lang="en-US" sz="2400">
                 <a:solidFill>
                   <a:schemeClr val="tx1"/>
                 </a:solidFill>
@@ -10528,7 +10284,7 @@
               <a:buChar char="•"/>
             </a:pPr>
             <a:r>
-              <a:rPr lang="en-US" sz="2400" dirty="0">
+              <a:rPr lang="en-US" sz="2400">
                 <a:solidFill>
                   <a:schemeClr val="tx1"/>
                 </a:solidFill>
@@ -10544,7 +10300,7 @@
               <a:buFont typeface="Arial" panose="020B0604020202020204" pitchFamily="34" charset="0"/>
               <a:buChar char="•"/>
             </a:pPr>
-            <a:endParaRPr lang="en-US" sz="2400" dirty="0">
+            <a:endParaRPr lang="en-US" sz="2400">
               <a:solidFill>
                 <a:schemeClr val="tx1"/>
               </a:solidFill>
@@ -10839,366 +10595,6 @@
     <p:bg>
       <p:bgPr>
         <a:solidFill>
-          <a:srgbClr val="FBF0CA"/>
-        </a:solidFill>
-        <a:effectLst/>
-      </p:bgPr>
-    </p:bg>
-    <p:spTree>
-      <p:nvGrpSpPr>
-        <p:cNvPr id="1" name="Shape 266">
-          <a:extLst>
-            <a:ext uri="{FF2B5EF4-FFF2-40B4-BE49-F238E27FC236}">
-              <a16:creationId xmlns:a16="http://schemas.microsoft.com/office/drawing/2014/main" id="{C026BD88-960E-4E65-E1D8-21A6C9473488}"/>
-            </a:ext>
-          </a:extLst>
-        </p:cNvPr>
-        <p:cNvGrpSpPr/>
-        <p:nvPr/>
-      </p:nvGrpSpPr>
-      <p:grpSpPr>
-        <a:xfrm>
-          <a:off x="0" y="0"/>
-          <a:ext cx="0" cy="0"/>
-          <a:chOff x="0" y="0"/>
-          <a:chExt cx="0" cy="0"/>
-        </a:xfrm>
-      </p:grpSpPr>
-      <p:sp>
-        <p:nvSpPr>
-          <p:cNvPr id="268" name="Google Shape;268;p21">
-            <a:extLst>
-              <a:ext uri="{FF2B5EF4-FFF2-40B4-BE49-F238E27FC236}">
-                <a16:creationId xmlns:a16="http://schemas.microsoft.com/office/drawing/2014/main" id="{757250F6-B5C0-890C-B1AE-7AE4A337E9BE}"/>
-              </a:ext>
-            </a:extLst>
-          </p:cNvPr>
-          <p:cNvSpPr txBox="1"/>
-          <p:nvPr/>
-        </p:nvSpPr>
-        <p:spPr>
-          <a:xfrm>
-            <a:off x="656756" y="1266980"/>
-            <a:ext cx="16974487" cy="984885"/>
-          </a:xfrm>
-          <a:prstGeom prst="rect">
-            <a:avLst/>
-          </a:prstGeom>
-          <a:noFill/>
-          <a:ln>
-            <a:noFill/>
-          </a:ln>
-        </p:spPr>
-        <p:txBody>
-          <a:bodyPr spcFirstLastPara="1" wrap="square" lIns="0" tIns="0" rIns="0" bIns="0" anchor="t" anchorCtr="0">
-            <a:spAutoFit/>
-          </a:bodyPr>
-          <a:lstStyle/>
-          <a:p>
-            <a:pPr marL="0" marR="0" lvl="0" indent="0" algn="ctr" rtl="0">
-              <a:lnSpc>
-                <a:spcPct val="80000"/>
-              </a:lnSpc>
-              <a:spcBef>
-                <a:spcPts val="0"/>
-              </a:spcBef>
-              <a:spcAft>
-                <a:spcPts val="0"/>
-              </a:spcAft>
-              <a:buNone/>
-            </a:pPr>
-            <a:r>
-              <a:rPr lang="en-US" sz="8000" b="1" dirty="0">
-                <a:solidFill>
-                  <a:srgbClr val="05041D"/>
-                </a:solidFill>
-                <a:latin typeface="Inter"/>
-                <a:ea typeface="Inter"/>
-                <a:sym typeface="Inter"/>
-              </a:rPr>
-              <a:t>LITERATURE REVIEW</a:t>
-            </a:r>
-            <a:endParaRPr dirty="0"/>
-          </a:p>
-        </p:txBody>
-      </p:sp>
-      <p:sp>
-        <p:nvSpPr>
-          <p:cNvPr id="3" name="TextBox 2">
-            <a:extLst>
-              <a:ext uri="{FF2B5EF4-FFF2-40B4-BE49-F238E27FC236}">
-                <a16:creationId xmlns:a16="http://schemas.microsoft.com/office/drawing/2014/main" id="{673AAE25-A784-7BFA-D1DB-A78E34BD66F4}"/>
-              </a:ext>
-            </a:extLst>
-          </p:cNvPr>
-          <p:cNvSpPr txBox="1"/>
-          <p:nvPr/>
-        </p:nvSpPr>
-        <p:spPr>
-          <a:xfrm>
-            <a:off x="1674254" y="4031087"/>
-            <a:ext cx="473206" cy="523220"/>
-          </a:xfrm>
-          <a:prstGeom prst="rect">
-            <a:avLst/>
-          </a:prstGeom>
-          <a:noFill/>
-        </p:spPr>
-        <p:txBody>
-          <a:bodyPr wrap="none" rtlCol="0">
-            <a:spAutoFit/>
-          </a:bodyPr>
-          <a:lstStyle/>
-          <a:p>
-            <a:pPr marL="285750" indent="-285750">
-              <a:buFont typeface="Arial" panose="020B0604020202020204" pitchFamily="34" charset="0"/>
-              <a:buChar char="•"/>
-            </a:pPr>
-            <a:endParaRPr lang="en-US" sz="2800"/>
-          </a:p>
-        </p:txBody>
-      </p:sp>
-      <p:sp>
-        <p:nvSpPr>
-          <p:cNvPr id="4" name="TextBox 3">
-            <a:extLst>
-              <a:ext uri="{FF2B5EF4-FFF2-40B4-BE49-F238E27FC236}">
-                <a16:creationId xmlns:a16="http://schemas.microsoft.com/office/drawing/2014/main" id="{1FBEF9DE-5667-5D5B-C324-BD589C4BF51E}"/>
-              </a:ext>
-            </a:extLst>
-          </p:cNvPr>
-          <p:cNvSpPr txBox="1"/>
-          <p:nvPr/>
-        </p:nvSpPr>
-        <p:spPr>
-          <a:xfrm>
-            <a:off x="2147460" y="2725954"/>
-            <a:ext cx="12492574" cy="6247864"/>
-          </a:xfrm>
-          <a:prstGeom prst="rect">
-            <a:avLst/>
-          </a:prstGeom>
-          <a:noFill/>
-        </p:spPr>
-        <p:txBody>
-          <a:bodyPr wrap="square" rtlCol="0">
-            <a:spAutoFit/>
-          </a:bodyPr>
-          <a:lstStyle/>
-          <a:p>
-            <a:pPr rtl="0">
-              <a:buFont typeface="+mj-lt"/>
-              <a:buAutoNum type="arabicPeriod"/>
-            </a:pPr>
-            <a:r>
-              <a:rPr lang="en-US" sz="1600" b="1" dirty="0"/>
-              <a:t>Sales Data</a:t>
-            </a:r>
-            <a:r>
-              <a:rPr lang="en-US" sz="1600" dirty="0"/>
-              <a:t>: </a:t>
-            </a:r>
-          </a:p>
-          <a:p>
-            <a:pPr marL="742950" lvl="1" indent="-285750" rtl="0">
-              <a:buFont typeface="+mj-lt"/>
-              <a:buAutoNum type="arabicPeriod"/>
-            </a:pPr>
-            <a:r>
-              <a:rPr lang="en-US" sz="1600" b="1" dirty="0"/>
-              <a:t>Retail Sales Trends</a:t>
-            </a:r>
-            <a:r>
-              <a:rPr lang="en-US" sz="1600" dirty="0"/>
-              <a:t>: Studies on omnichannel retail strategies (Chen et al., 2020) emphasize the importance of integrating online and instore sales data to analyze customer behavior effectively. Using Walmart's instore data and Amazon's online sales data aligns with this approach, providing insights into shopping preferences and channel-specific trends.</a:t>
-            </a:r>
-          </a:p>
-          <a:p>
-            <a:pPr marL="742950" lvl="1" indent="-285750" rtl="0">
-              <a:buFont typeface="+mj-lt"/>
-              <a:buAutoNum type="arabicPeriod"/>
-            </a:pPr>
-            <a:r>
-              <a:rPr lang="en-US" sz="1600" b="1" dirty="0"/>
-              <a:t>Mode of Purchase</a:t>
-            </a:r>
-            <a:r>
-              <a:rPr lang="en-US" sz="1600" dirty="0"/>
-              <a:t>: Research by Grewal et al. (2017) highlights how purchase modes (instore vs. online) impact customer satisfaction and sales patterns. Sampling these modes helps create a realistic dataset for understanding consumer behavior.</a:t>
-            </a:r>
-          </a:p>
-          <a:p>
-            <a:pPr rtl="0">
-              <a:buFont typeface="+mj-lt"/>
-              <a:buAutoNum type="arabicPeriod"/>
-            </a:pPr>
-            <a:r>
-              <a:rPr lang="en-US" sz="1600" b="1" dirty="0"/>
-              <a:t>Locations Data</a:t>
-            </a:r>
-            <a:r>
-              <a:rPr lang="en-US" sz="1600" dirty="0"/>
-              <a:t>: </a:t>
-            </a:r>
-          </a:p>
-          <a:p>
-            <a:pPr marL="742950" lvl="1" indent="-285750" rtl="0">
-              <a:buFont typeface="+mj-lt"/>
-              <a:buAutoNum type="arabicPeriod"/>
-            </a:pPr>
-            <a:r>
-              <a:rPr lang="en-US" sz="1600" b="1" dirty="0"/>
-              <a:t>Store Location Optimization</a:t>
-            </a:r>
-            <a:r>
-              <a:rPr lang="en-US" sz="1600" dirty="0"/>
-              <a:t>: Literature on retail store placements (Reyes et al., 2019) suggests that factors like population density, proximity, and accessibility are critical in determining store locations. By studying Walmart's real-world store distribution across 2,614 cities, the dataset leverages proven methodologies for proximity-based location planning.</a:t>
-            </a:r>
-          </a:p>
-          <a:p>
-            <a:pPr marL="742950" lvl="1" indent="-285750" rtl="0">
-              <a:buFont typeface="+mj-lt"/>
-              <a:buAutoNum type="arabicPeriod"/>
-            </a:pPr>
-            <a:r>
-              <a:rPr lang="en-US" sz="1600" b="1" dirty="0"/>
-              <a:t>City-Level Analysis</a:t>
-            </a:r>
-            <a:r>
-              <a:rPr lang="en-US" sz="1600" dirty="0"/>
-              <a:t>: Papers like "Geographic Retail Dynamics" (Thomas et al., 2018) validate the importance of selecting major cities for dataset creation, reflecting realistic retail coverage.</a:t>
-            </a:r>
-          </a:p>
-          <a:p>
-            <a:pPr rtl="0">
-              <a:buFont typeface="+mj-lt"/>
-              <a:buAutoNum type="arabicPeriod"/>
-            </a:pPr>
-            <a:r>
-              <a:rPr lang="en-US" sz="1600" b="1" dirty="0"/>
-              <a:t>Holidays Data</a:t>
-            </a:r>
-            <a:r>
-              <a:rPr lang="en-US" sz="1600" dirty="0"/>
-              <a:t>: </a:t>
-            </a:r>
-          </a:p>
-          <a:p>
-            <a:pPr marL="742950" lvl="1" indent="-285750" rtl="0">
-              <a:buFont typeface="+mj-lt"/>
-              <a:buAutoNum type="arabicPeriod"/>
-            </a:pPr>
-            <a:r>
-              <a:rPr lang="en-US" sz="1600" b="1" dirty="0"/>
-              <a:t>Seasonal Sales Patterns</a:t>
-            </a:r>
-            <a:r>
-              <a:rPr lang="en-US" sz="1600" dirty="0"/>
-              <a:t>: Academic studies (e.g., </a:t>
-            </a:r>
-            <a:r>
-              <a:rPr lang="en-US" sz="1600" dirty="0" err="1"/>
-              <a:t>Dekimpe</a:t>
-            </a:r>
-            <a:r>
-              <a:rPr lang="en-US" sz="1600" dirty="0"/>
-              <a:t> et al., 2020) confirm that holidays like Black Friday and Christmas significantly influence retail sales spikes. Including regional holidays and retail-specific events in the dataset aligns with these findings, enabling accurate analysis of seasonal trends.</a:t>
-            </a:r>
-          </a:p>
-          <a:p>
-            <a:pPr marL="742950" lvl="1" indent="-285750" rtl="0">
-              <a:buFont typeface="+mj-lt"/>
-              <a:buAutoNum type="arabicPeriod"/>
-            </a:pPr>
-            <a:r>
-              <a:rPr lang="en-US" sz="1600" b="1" dirty="0"/>
-              <a:t>Regional Variations</a:t>
-            </a:r>
-            <a:r>
-              <a:rPr lang="en-US" sz="1600" dirty="0"/>
-              <a:t>: Research on regional shopping behaviors (Hui et al., 2019) highlights the importance of incorporating state-specific holidays, like Patriots' Day, to capture localized sales patterns.</a:t>
-            </a:r>
-          </a:p>
-          <a:p>
-            <a:pPr rtl="0">
-              <a:buFont typeface="+mj-lt"/>
-              <a:buAutoNum type="arabicPeriod"/>
-            </a:pPr>
-            <a:r>
-              <a:rPr lang="en-US" sz="1600" b="1" dirty="0"/>
-              <a:t>Customer Demographics</a:t>
-            </a:r>
-            <a:r>
-              <a:rPr lang="en-US" sz="1600" dirty="0"/>
-              <a:t>: </a:t>
-            </a:r>
-          </a:p>
-          <a:p>
-            <a:pPr marL="742950" lvl="1" indent="-285750" rtl="0">
-              <a:buFont typeface="+mj-lt"/>
-              <a:buAutoNum type="arabicPeriod"/>
-            </a:pPr>
-            <a:r>
-              <a:rPr lang="en-US" sz="1600" b="1" dirty="0"/>
-              <a:t>Synthetic Data Generation</a:t>
-            </a:r>
-            <a:r>
-              <a:rPr lang="en-US" sz="1600" dirty="0"/>
-              <a:t>: Studies on privacy-preserving synthetic data generation (Xu et al., 2019) validate the approach of synthesizing customer profiles, especially when real data is unavailable or incomplete.</a:t>
-            </a:r>
-          </a:p>
-          <a:p>
-            <a:pPr marL="742950" lvl="1" indent="-285750" rtl="0">
-              <a:buFont typeface="+mj-lt"/>
-              <a:buAutoNum type="arabicPeriod"/>
-            </a:pPr>
-            <a:r>
-              <a:rPr lang="en-US" sz="1600" b="1" dirty="0"/>
-              <a:t>Gender Inclusivity</a:t>
-            </a:r>
-            <a:r>
-              <a:rPr lang="en-US" sz="1600" dirty="0"/>
-              <a:t>: Research on diversity in data (Smith et al., 2021) emphasizes the inclusion of gender-neutral options to ensure equitable representation, making the dataset more inclusive and aligned with modern standards.</a:t>
-            </a:r>
-          </a:p>
-          <a:p>
-            <a:pPr marL="742950" lvl="1" indent="-285750" rtl="0">
-              <a:buFont typeface="+mj-lt"/>
-              <a:buAutoNum type="arabicPeriod"/>
-            </a:pPr>
-            <a:r>
-              <a:rPr lang="en-US" sz="1600" b="1" dirty="0"/>
-              <a:t>Demographic Distribution</a:t>
-            </a:r>
-            <a:r>
-              <a:rPr lang="en-US" sz="1600" dirty="0"/>
-              <a:t>: U.S. Census-based demographic studies (e.g., Frey, 2020) provide benchmarks for realistic age and income level distributions, ensuring the dataset reflects actual population characteristics.</a:t>
-            </a:r>
-          </a:p>
-        </p:txBody>
-      </p:sp>
-    </p:spTree>
-    <p:extLst>
-      <p:ext uri="{BB962C8B-B14F-4D97-AF65-F5344CB8AC3E}">
-        <p14:creationId xmlns:p14="http://schemas.microsoft.com/office/powerpoint/2010/main" val="1477922674"/>
-      </p:ext>
-    </p:extLst>
-  </p:cSld>
-  <p:clrMapOvr>
-    <a:masterClrMapping/>
-  </p:clrMapOvr>
-  <p:transition>
-    <p:push/>
-  </p:transition>
-</p:sld>
-</file>
-
-<file path=ppt/slides/slide6.xml><?xml version="1.0" encoding="utf-8"?>
-<p:sld xmlns:a="http://schemas.openxmlformats.org/drawingml/2006/main" xmlns:r="http://schemas.openxmlformats.org/officeDocument/2006/relationships" xmlns:p="http://schemas.openxmlformats.org/presentationml/2006/main">
-  <p:cSld>
-    <p:bg>
-      <p:bgPr>
-        <a:solidFill>
           <a:srgbClr val="FAF0CA"/>
         </a:solidFill>
         <a:effectLst/>
@@ -11312,7 +10708,7 @@
 </p:sld>
 </file>
 
-<file path=ppt/slides/slide7.xml><?xml version="1.0" encoding="utf-8"?>
+<file path=ppt/slides/slide6.xml><?xml version="1.0" encoding="utf-8"?>
 <p:sld xmlns:a="http://schemas.openxmlformats.org/drawingml/2006/main" xmlns:r="http://schemas.openxmlformats.org/officeDocument/2006/relationships" xmlns:p="http://schemas.openxmlformats.org/presentationml/2006/main">
   <p:cSld>
     <p:bg>
@@ -11400,7 +10796,7 @@
 </p:sld>
 </file>
 
-<file path=ppt/slides/slide8.xml><?xml version="1.0" encoding="utf-8"?>
+<file path=ppt/slides/slide7.xml><?xml version="1.0" encoding="utf-8"?>
 <p:sld xmlns:a="http://schemas.openxmlformats.org/drawingml/2006/main" xmlns:r="http://schemas.openxmlformats.org/officeDocument/2006/relationships" xmlns:p="http://schemas.openxmlformats.org/presentationml/2006/main">
   <p:cSld>
     <p:bg>
@@ -11475,7 +10871,7 @@
               <a:buNone/>
             </a:pPr>
             <a:r>
-              <a:rPr lang="en-US" sz="8000" b="1" dirty="0">
+              <a:rPr lang="en-US" sz="8000" b="1">
                 <a:solidFill>
                   <a:srgbClr val="05041D"/>
                 </a:solidFill>
@@ -11485,7 +10881,7 @@
               </a:rPr>
               <a:t>DASHBOARD DEMO</a:t>
             </a:r>
-            <a:endParaRPr dirty="0"/>
+            <a:endParaRPr/>
           </a:p>
         </p:txBody>
       </p:sp>
@@ -11505,7 +10901,7 @@
 </p:sld>
 </file>
 
-<file path=ppt/slides/slide9.xml><?xml version="1.0" encoding="utf-8"?>
+<file path=ppt/slides/slide8.xml><?xml version="1.0" encoding="utf-8"?>
 <p:sld xmlns:a="http://schemas.openxmlformats.org/drawingml/2006/main" xmlns:r="http://schemas.openxmlformats.org/officeDocument/2006/relationships" xmlns:p="http://schemas.openxmlformats.org/presentationml/2006/main">
   <p:cSld>
     <p:bg>
@@ -11580,7 +10976,7 @@
               <a:buNone/>
             </a:pPr>
             <a:r>
-              <a:rPr lang="en-US" sz="8000" b="1" dirty="0">
+              <a:rPr lang="en-US" sz="8000" b="1">
                 <a:solidFill>
                   <a:srgbClr val="05041D"/>
                 </a:solidFill>
@@ -11590,7 +10986,7 @@
               </a:rPr>
               <a:t>CONCLUSION</a:t>
             </a:r>
-            <a:endParaRPr dirty="0"/>
+            <a:endParaRPr/>
           </a:p>
         </p:txBody>
       </p:sp>
@@ -11623,7 +11019,7 @@
           <a:lstStyle/>
           <a:p>
             <a:r>
-              <a:rPr lang="en-US" sz="2400" b="1" dirty="0">
+              <a:rPr lang="en-US" sz="2400" b="1">
                 <a:solidFill>
                   <a:schemeClr val="tx1"/>
                 </a:solidFill>
@@ -11635,7 +11031,7 @@
             </a:r>
           </a:p>
           <a:p>
-            <a:endParaRPr lang="en-US" sz="2400" b="1" dirty="0">
+            <a:endParaRPr lang="en-US" sz="2400" b="1">
               <a:solidFill>
                 <a:schemeClr val="tx1"/>
               </a:solidFill>
@@ -11650,7 +11046,7 @@
               <a:buChar char="•"/>
             </a:pPr>
             <a:r>
-              <a:rPr lang="en-US" sz="2400" dirty="0">
+              <a:rPr lang="en-US" sz="2400">
                 <a:solidFill>
                   <a:schemeClr val="tx1"/>
                 </a:solidFill>
@@ -11667,7 +11063,7 @@
               <a:buChar char="•"/>
             </a:pPr>
             <a:r>
-              <a:rPr lang="en-US" sz="2400" dirty="0">
+              <a:rPr lang="en-US" sz="2400">
                 <a:solidFill>
                   <a:schemeClr val="tx1"/>
                 </a:solidFill>
@@ -11684,7 +11080,7 @@
               <a:buChar char="•"/>
             </a:pPr>
             <a:r>
-              <a:rPr lang="en-US" sz="2400" dirty="0">
+              <a:rPr lang="en-US" sz="2400">
                 <a:solidFill>
                   <a:schemeClr val="tx1"/>
                 </a:solidFill>
@@ -11701,7 +11097,7 @@
               <a:buChar char="•"/>
             </a:pPr>
             <a:r>
-              <a:rPr lang="en-US" sz="2400" dirty="0">
+              <a:rPr lang="en-US" sz="2400">
                 <a:solidFill>
                   <a:schemeClr val="tx1"/>
                 </a:solidFill>
@@ -11717,7 +11113,7 @@
               <a:buFont typeface="Arial" panose="020B0604020202020204" pitchFamily="34" charset="0"/>
               <a:buChar char="•"/>
             </a:pPr>
-            <a:endParaRPr lang="en-US" sz="2400" dirty="0">
+            <a:endParaRPr lang="en-US" sz="2400">
               <a:solidFill>
                 <a:schemeClr val="tx1"/>
               </a:solidFill>
@@ -11728,7 +11124,7 @@
           </a:p>
           <a:p>
             <a:r>
-              <a:rPr lang="en-US" sz="2400" b="1" dirty="0">
+              <a:rPr lang="en-US" sz="2400" b="1">
                 <a:solidFill>
                   <a:schemeClr val="tx1"/>
                 </a:solidFill>
@@ -11740,7 +11136,7 @@
             </a:r>
           </a:p>
           <a:p>
-            <a:endParaRPr lang="en-US" sz="2400" b="1" dirty="0">
+            <a:endParaRPr lang="en-US" sz="2400" b="1">
               <a:solidFill>
                 <a:schemeClr val="tx1"/>
               </a:solidFill>
@@ -11755,7 +11151,7 @@
               <a:buChar char="•"/>
             </a:pPr>
             <a:r>
-              <a:rPr lang="en-US" sz="2400" dirty="0">
+              <a:rPr lang="en-US" sz="2400">
                 <a:solidFill>
                   <a:schemeClr val="tx1"/>
                 </a:solidFill>
@@ -11772,7 +11168,7 @@
               <a:buChar char="•"/>
             </a:pPr>
             <a:r>
-              <a:rPr lang="en-US" sz="2400" dirty="0">
+              <a:rPr lang="en-US" sz="2400">
                 <a:solidFill>
                   <a:schemeClr val="tx1"/>
                 </a:solidFill>
@@ -11789,7 +11185,7 @@
               <a:buChar char="•"/>
             </a:pPr>
             <a:r>
-              <a:rPr lang="en-US" sz="2400" dirty="0">
+              <a:rPr lang="en-US" sz="2400">
                 <a:solidFill>
                   <a:schemeClr val="tx1"/>
                 </a:solidFill>
@@ -11805,7 +11201,7 @@
               <a:buFont typeface="Arial" panose="020B0604020202020204" pitchFamily="34" charset="0"/>
               <a:buChar char="•"/>
             </a:pPr>
-            <a:endParaRPr lang="en-US" sz="2400" dirty="0">
+            <a:endParaRPr lang="en-US" sz="2400">
               <a:solidFill>
                 <a:schemeClr val="tx1"/>
               </a:solidFill>
@@ -11822,6 +11218,122 @@
         <p14:creationId xmlns:p14="http://schemas.microsoft.com/office/powerpoint/2010/main" val="346614152"/>
       </p:ext>
     </p:extLst>
+  </p:cSld>
+  <p:clrMapOvr>
+    <a:masterClrMapping/>
+  </p:clrMapOvr>
+  <p:transition>
+    <p:push/>
+  </p:transition>
+</p:sld>
+</file>
+
+<file path=ppt/slides/slide9.xml><?xml version="1.0" encoding="utf-8"?>
+<p:sld xmlns:a="http://schemas.openxmlformats.org/drawingml/2006/main" xmlns:r="http://schemas.openxmlformats.org/officeDocument/2006/relationships" xmlns:p="http://schemas.openxmlformats.org/presentationml/2006/main">
+  <p:cSld>
+    <p:bg>
+      <p:bgPr>
+        <a:solidFill>
+          <a:srgbClr val="05041D"/>
+        </a:solidFill>
+        <a:effectLst/>
+      </p:bgPr>
+    </p:bg>
+    <p:spTree>
+      <p:nvGrpSpPr>
+        <p:cNvPr id="1" name="Shape 165"/>
+        <p:cNvGrpSpPr/>
+        <p:nvPr/>
+      </p:nvGrpSpPr>
+      <p:grpSpPr>
+        <a:xfrm>
+          <a:off x="0" y="0"/>
+          <a:ext cx="0" cy="0"/>
+          <a:chOff x="0" y="0"/>
+          <a:chExt cx="0" cy="0"/>
+        </a:xfrm>
+      </p:grpSpPr>
+      <p:pic>
+        <p:nvPicPr>
+          <p:cNvPr id="166" name="Google Shape;166;p15"/>
+          <p:cNvPicPr preferRelativeResize="0"/>
+          <p:nvPr/>
+        </p:nvPicPr>
+        <p:blipFill>
+          <a:blip r:embed="rId3">
+            <a:alphaModFix/>
+          </a:blip>
+          <a:stretch>
+            <a:fillRect/>
+          </a:stretch>
+        </p:blipFill>
+        <p:spPr>
+          <a:xfrm>
+            <a:off x="670574" y="-1904391"/>
+            <a:ext cx="16946852" cy="16847554"/>
+          </a:xfrm>
+          <a:prstGeom prst="rect">
+            <a:avLst/>
+          </a:prstGeom>
+          <a:noFill/>
+          <a:ln>
+            <a:noFill/>
+          </a:ln>
+        </p:spPr>
+      </p:pic>
+      <p:sp>
+        <p:nvSpPr>
+          <p:cNvPr id="167" name="Google Shape;167;p15"/>
+          <p:cNvSpPr txBox="1"/>
+          <p:nvPr/>
+        </p:nvSpPr>
+        <p:spPr>
+          <a:xfrm>
+            <a:off x="1028700" y="4303395"/>
+            <a:ext cx="16230600" cy="2215991"/>
+          </a:xfrm>
+          <a:prstGeom prst="rect">
+            <a:avLst/>
+          </a:prstGeom>
+          <a:noFill/>
+          <a:ln>
+            <a:noFill/>
+          </a:ln>
+        </p:spPr>
+        <p:txBody>
+          <a:bodyPr spcFirstLastPara="1" wrap="square" lIns="0" tIns="0" rIns="0" bIns="0" anchor="t" anchorCtr="0">
+            <a:spAutoFit/>
+          </a:bodyPr>
+          <a:lstStyle/>
+          <a:p>
+            <a:pPr marL="0" marR="0" lvl="0" indent="0" algn="ctr" rtl="0">
+              <a:lnSpc>
+                <a:spcPct val="100000"/>
+              </a:lnSpc>
+              <a:spcBef>
+                <a:spcPts val="0"/>
+              </a:spcBef>
+              <a:spcAft>
+                <a:spcPts val="0"/>
+              </a:spcAft>
+              <a:buNone/>
+            </a:pPr>
+            <a:r>
+              <a:rPr lang="en-US" sz="14400" b="1">
+                <a:solidFill>
+                  <a:srgbClr val="FAF0CA"/>
+                </a:solidFill>
+                <a:latin typeface="Inter"/>
+                <a:ea typeface="Inter"/>
+                <a:sym typeface="Inter"/>
+              </a:rPr>
+              <a:t>THANK YOU</a:t>
+            </a:r>
+            <a:endParaRPr/>
+          </a:p>
+        </p:txBody>
+      </p:sp>
+    </p:spTree>
   </p:cSld>
   <p:clrMapOvr>
     <a:masterClrMapping/>
